--- a/docs/diagrams/ModelAppointmentClassDiagram.pptx
+++ b/docs/diagrams/ModelAppointmentClassDiagram.pptx
@@ -3404,14 +3404,14 @@
       </p:grpSpPr>
       <p:sp>
         <p:nvSpPr>
-          <p:cNvPr id="118" name="Rectangle 65"/>
+          <p:cNvPr id="2" name="Rectangle 65"/>
           <p:cNvSpPr/>
           <p:nvPr/>
         </p:nvSpPr>
         <p:spPr>
           <a:xfrm>
-            <a:off x="826135" y="1042670"/>
-            <a:ext cx="6746875" cy="4040505"/>
+            <a:off x="513715" y="1162685"/>
+            <a:ext cx="8267065" cy="4603115"/>
           </a:xfrm>
           <a:prstGeom prst="roundRect">
             <a:avLst>
@@ -3445,7 +3445,6 @@
         </p:style>
         <p:txBody>
           <a:bodyPr rtlCol="0" anchor="t"/>
-          <a:lstStyle/>
           <a:p>
             <a:r>
               <a:rPr lang="en-US" sz="1200" b="1" dirty="0" smtClean="0">
@@ -3463,468 +3462,976 @@
           </a:p>
         </p:txBody>
       </p:sp>
-      <p:sp>
-        <p:nvSpPr>
-          <p:cNvPr id="62" name="Rectangle 8"/>
-          <p:cNvSpPr/>
+      <p:grpSp>
+        <p:nvGrpSpPr>
+          <p:cNvPr id="16" name="组合 15"/>
+          <p:cNvGrpSpPr/>
           <p:nvPr/>
-        </p:nvSpPr>
-        <p:spPr>
+        </p:nvGrpSpPr>
+        <p:grpSpPr>
           <a:xfrm>
-            <a:off x="1137285" y="1812290"/>
-            <a:ext cx="1841500" cy="1908175"/>
+            <a:off x="1022350" y="1883410"/>
+            <a:ext cx="6585585" cy="2686044"/>
+            <a:chOff x="4189" y="2845"/>
+            <a:chExt cx="9071" cy="2661"/>
           </a:xfrm>
-          <a:prstGeom prst="rect">
-            <a:avLst/>
-          </a:prstGeom>
-          <a:ln w="19050">
+        </p:grpSpPr>
+        <p:sp>
+          <p:nvSpPr>
+            <p:cNvPr id="46" name="Rectangle 8"/>
+            <p:cNvSpPr/>
+            <p:nvPr/>
+          </p:nvSpPr>
+          <p:spPr>
+            <a:xfrm>
+              <a:off x="4535" y="4138"/>
+              <a:ext cx="1722" cy="546"/>
+            </a:xfrm>
+            <a:prstGeom prst="rect">
+              <a:avLst/>
+            </a:prstGeom>
+            <a:ln w="19050">
+              <a:solidFill>
+                <a:srgbClr val="7030A0"/>
+              </a:solidFill>
+            </a:ln>
+            <a:effectLst/>
+          </p:spPr>
+          <p:style>
+            <a:lnRef idx="1">
+              <a:schemeClr val="accent4"/>
+            </a:lnRef>
+            <a:fillRef idx="2">
+              <a:schemeClr val="accent4"/>
+            </a:fillRef>
+            <a:effectRef idx="1">
+              <a:schemeClr val="accent4"/>
+            </a:effectRef>
+            <a:fontRef idx="minor">
+              <a:schemeClr val="dk1"/>
+            </a:fontRef>
+          </p:style>
+          <p:txBody>
+            <a:bodyPr rtlCol="0" anchor="ctr"/>
+            <a:p>
+              <a:pPr algn="ctr"/>
+              <a:r>
+                <a:rPr lang="en-US" sz="1050" dirty="0" err="1" smtClean="0">
+                  <a:solidFill>
+                    <a:srgbClr val="7030A0"/>
+                  </a:solidFill>
+                </a:rPr>
+                <a:t>AddressBook</a:t>
+              </a:r>
+              <a:endParaRPr lang="en-SG" sz="1050" dirty="0">
+                <a:solidFill>
+                  <a:srgbClr val="7030A0"/>
+                </a:solidFill>
+              </a:endParaRPr>
+            </a:p>
+          </p:txBody>
+        </p:sp>
+        <p:sp>
+          <p:nvSpPr>
+            <p:cNvPr id="49" name="Rectangle 8"/>
+            <p:cNvSpPr/>
+            <p:nvPr/>
+          </p:nvSpPr>
+          <p:spPr>
+            <a:xfrm>
+              <a:off x="7066" y="4484"/>
+              <a:ext cx="1821" cy="546"/>
+            </a:xfrm>
+            <a:prstGeom prst="rect">
+              <a:avLst/>
+            </a:prstGeom>
+            <a:ln w="19050">
+              <a:solidFill>
+                <a:srgbClr val="7030A0"/>
+              </a:solidFill>
+            </a:ln>
+            <a:effectLst/>
+          </p:spPr>
+          <p:style>
+            <a:lnRef idx="1">
+              <a:schemeClr val="accent4"/>
+            </a:lnRef>
+            <a:fillRef idx="2">
+              <a:schemeClr val="accent4"/>
+            </a:fillRef>
+            <a:effectRef idx="1">
+              <a:schemeClr val="accent4"/>
+            </a:effectRef>
+            <a:fontRef idx="minor">
+              <a:schemeClr val="dk1"/>
+            </a:fontRef>
+          </p:style>
+          <p:txBody>
+            <a:bodyPr rtlCol="0" anchor="ctr"/>
+            <a:p>
+              <a:pPr algn="ctr"/>
+              <a:r>
+                <a:rPr lang="en-US" sz="1050" dirty="0" err="1" smtClean="0">
+                  <a:solidFill>
+                    <a:srgbClr val="7030A0"/>
+                  </a:solidFill>
+                </a:rPr>
+                <a:t>UniqueAppointmentList</a:t>
+              </a:r>
+              <a:endParaRPr lang="en-SG" sz="1050" dirty="0">
+                <a:solidFill>
+                  <a:srgbClr val="7030A0"/>
+                </a:solidFill>
+              </a:endParaRPr>
+            </a:p>
+          </p:txBody>
+        </p:sp>
+        <p:sp>
+          <p:nvSpPr>
+            <p:cNvPr id="51" name="Flowchart: Decision 96"/>
+            <p:cNvSpPr/>
+            <p:nvPr/>
+          </p:nvSpPr>
+          <p:spPr>
+            <a:xfrm>
+              <a:off x="6274" y="4211"/>
+              <a:ext cx="372" cy="273"/>
+            </a:xfrm>
+            <a:prstGeom prst="flowChartDecision">
+              <a:avLst/>
+            </a:prstGeom>
             <a:solidFill>
               <a:srgbClr val="7030A0"/>
             </a:solidFill>
-          </a:ln>
-          <a:effectLst/>
-        </p:spPr>
-        <p:style>
-          <a:lnRef idx="1">
-            <a:schemeClr val="accent4"/>
-          </a:lnRef>
-          <a:fillRef idx="2">
-            <a:schemeClr val="accent4"/>
-          </a:fillRef>
-          <a:effectRef idx="1">
-            <a:schemeClr val="accent4"/>
-          </a:effectRef>
-          <a:fontRef idx="minor">
-            <a:schemeClr val="dk1"/>
-          </a:fontRef>
-        </p:style>
-        <p:txBody>
-          <a:bodyPr rtlCol="0" anchor="ctr"/>
-          <a:lstStyle/>
-          <a:p>
-            <a:pPr algn="ctr"/>
-            <a:r>
-              <a:rPr lang="en-US" sz="1050" dirty="0" smtClean="0">
+            <a:ln w="19050">
+              <a:solidFill>
+                <a:srgbClr val="7030A0"/>
+              </a:solidFill>
+            </a:ln>
+            <a:effectLst/>
+          </p:spPr>
+          <p:style>
+            <a:lnRef idx="1">
+              <a:schemeClr val="accent6"/>
+            </a:lnRef>
+            <a:fillRef idx="2">
+              <a:schemeClr val="accent6"/>
+            </a:fillRef>
+            <a:effectRef idx="1">
+              <a:schemeClr val="accent6"/>
+            </a:effectRef>
+            <a:fontRef idx="minor">
+              <a:schemeClr val="dk1"/>
+            </a:fontRef>
+          </p:style>
+          <p:txBody>
+            <a:bodyPr rtlCol="0" anchor="ctr"/>
+            <a:p>
+              <a:pPr algn="ctr"/>
+              <a:endParaRPr lang="en-US" sz="1050"/>
+            </a:p>
+          </p:txBody>
+        </p:sp>
+        <p:cxnSp>
+          <p:nvCxnSpPr>
+            <p:cNvPr id="30" name="Elbow Connector 29"/>
+            <p:cNvCxnSpPr>
+              <a:stCxn id="51" idx="3"/>
+              <a:endCxn id="49" idx="1"/>
+            </p:cNvCxnSpPr>
+            <p:nvPr/>
+          </p:nvCxnSpPr>
+          <p:spPr>
+            <a:xfrm>
+              <a:off x="6646" y="4348"/>
+              <a:ext cx="420" cy="409"/>
+            </a:xfrm>
+            <a:prstGeom prst="bentConnector3">
+              <a:avLst>
+                <a:gd name="adj1" fmla="val 50000"/>
+              </a:avLst>
+            </a:prstGeom>
+            <a:ln w="19050">
+              <a:solidFill>
+                <a:srgbClr val="7030A0"/>
+              </a:solidFill>
+              <a:headEnd type="none" w="med" len="med"/>
+              <a:tailEnd type="arrow" w="med" len="med"/>
+            </a:ln>
+            <a:effectLst/>
+          </p:spPr>
+          <p:style>
+            <a:lnRef idx="1">
+              <a:schemeClr val="accent2"/>
+            </a:lnRef>
+            <a:fillRef idx="2">
+              <a:schemeClr val="accent2"/>
+            </a:fillRef>
+            <a:effectRef idx="1">
+              <a:schemeClr val="accent2"/>
+            </a:effectRef>
+            <a:fontRef idx="minor">
+              <a:schemeClr val="dk1"/>
+            </a:fontRef>
+          </p:style>
+        </p:cxnSp>
+        <p:sp>
+          <p:nvSpPr>
+            <p:cNvPr id="4" name="Rectangle 8"/>
+            <p:cNvSpPr/>
+            <p:nvPr/>
+          </p:nvSpPr>
+          <p:spPr>
+            <a:xfrm>
+              <a:off x="9824" y="4464"/>
+              <a:ext cx="1329" cy="616"/>
+            </a:xfrm>
+            <a:prstGeom prst="rect">
+              <a:avLst/>
+            </a:prstGeom>
+            <a:ln w="19050">
+              <a:solidFill>
+                <a:srgbClr val="7030A0"/>
+              </a:solidFill>
+            </a:ln>
+            <a:effectLst/>
+          </p:spPr>
+          <p:style>
+            <a:lnRef idx="1">
+              <a:schemeClr val="accent4"/>
+            </a:lnRef>
+            <a:fillRef idx="2">
+              <a:schemeClr val="accent4"/>
+            </a:fillRef>
+            <a:effectRef idx="1">
+              <a:schemeClr val="accent4"/>
+            </a:effectRef>
+            <a:fontRef idx="minor">
+              <a:schemeClr val="dk1"/>
+            </a:fontRef>
+          </p:style>
+          <p:txBody>
+            <a:bodyPr rtlCol="0" anchor="ctr"/>
+            <a:p>
+              <a:pPr algn="ctr"/>
+              <a:r>
+                <a:rPr lang="en-US" sz="1050" dirty="0" smtClean="0">
+                  <a:solidFill>
+                    <a:srgbClr val="7030A0"/>
+                  </a:solidFill>
+                </a:rPr>
+                <a:t>Appointment</a:t>
+              </a:r>
+              <a:endParaRPr lang="en-US" sz="1050" dirty="0">
                 <a:solidFill>
                   <a:srgbClr val="7030A0"/>
                 </a:solidFill>
-              </a:rPr>
-              <a:t>Appointment</a:t>
-            </a:r>
-            <a:endParaRPr lang="en-US" sz="1050" dirty="0">
+              </a:endParaRPr>
+            </a:p>
+          </p:txBody>
+        </p:sp>
+        <p:sp>
+          <p:nvSpPr>
+            <p:cNvPr id="63" name="Flowchart: Decision 96"/>
+            <p:cNvSpPr/>
+            <p:nvPr/>
+          </p:nvSpPr>
+          <p:spPr>
+            <a:xfrm>
+              <a:off x="8887" y="4636"/>
+              <a:ext cx="372" cy="273"/>
+            </a:xfrm>
+            <a:prstGeom prst="flowChartDecision">
+              <a:avLst/>
+            </a:prstGeom>
+            <a:noFill/>
+            <a:ln w="19050">
               <a:solidFill>
                 <a:srgbClr val="7030A0"/>
               </a:solidFill>
-            </a:endParaRPr>
-          </a:p>
-        </p:txBody>
-      </p:sp>
-      <p:sp>
-        <p:nvSpPr>
-          <p:cNvPr id="76" name="Rectangle 8"/>
-          <p:cNvSpPr/>
-          <p:nvPr/>
-        </p:nvSpPr>
-        <p:spPr>
-          <a:xfrm>
-            <a:off x="5146675" y="1210310"/>
-            <a:ext cx="1725295" cy="944880"/>
-          </a:xfrm>
-          <a:prstGeom prst="rect">
-            <a:avLst/>
-          </a:prstGeom>
-          <a:ln w="19050">
+            </a:ln>
+            <a:effectLst/>
+          </p:spPr>
+          <p:style>
+            <a:lnRef idx="1">
+              <a:schemeClr val="accent6"/>
+            </a:lnRef>
+            <a:fillRef idx="2">
+              <a:schemeClr val="accent6"/>
+            </a:fillRef>
+            <a:effectRef idx="1">
+              <a:schemeClr val="accent6"/>
+            </a:effectRef>
+            <a:fontRef idx="minor">
+              <a:schemeClr val="dk1"/>
+            </a:fontRef>
+          </p:style>
+          <p:txBody>
+            <a:bodyPr rtlCol="0" anchor="ctr"/>
+            <a:p>
+              <a:pPr algn="ctr"/>
+              <a:endParaRPr lang="en-US" sz="1050"/>
+            </a:p>
+          </p:txBody>
+        </p:sp>
+        <p:cxnSp>
+          <p:nvCxnSpPr>
+            <p:cNvPr id="64" name="Elbow Connector 63"/>
+            <p:cNvCxnSpPr>
+              <a:stCxn id="63" idx="3"/>
+              <a:endCxn id="4" idx="1"/>
+            </p:cNvCxnSpPr>
+            <p:nvPr/>
+          </p:nvCxnSpPr>
+          <p:spPr>
+            <a:xfrm flipV="1">
+              <a:off x="9259" y="4772"/>
+              <a:ext cx="565" cy="1"/>
+            </a:xfrm>
+            <a:prstGeom prst="bentConnector3">
+              <a:avLst>
+                <a:gd name="adj1" fmla="val 50000"/>
+              </a:avLst>
+            </a:prstGeom>
+            <a:ln w="19050">
+              <a:solidFill>
+                <a:srgbClr val="7030A0"/>
+              </a:solidFill>
+              <a:headEnd type="none" w="med" len="med"/>
+              <a:tailEnd type="arrow" w="med" len="med"/>
+            </a:ln>
+            <a:effectLst/>
+          </p:spPr>
+          <p:style>
+            <a:lnRef idx="1">
+              <a:schemeClr val="accent2"/>
+            </a:lnRef>
+            <a:fillRef idx="2">
+              <a:schemeClr val="accent2"/>
+            </a:fillRef>
+            <a:effectRef idx="1">
+              <a:schemeClr val="accent2"/>
+            </a:effectRef>
+            <a:fontRef idx="minor">
+              <a:schemeClr val="dk1"/>
+            </a:fontRef>
+          </p:style>
+        </p:cxnSp>
+        <p:sp>
+          <p:nvSpPr>
+            <p:cNvPr id="5" name="Rectangle 8"/>
+            <p:cNvSpPr/>
+            <p:nvPr/>
+          </p:nvSpPr>
+          <p:spPr>
+            <a:xfrm>
+              <a:off x="12146" y="4038"/>
+              <a:ext cx="1115" cy="450"/>
+            </a:xfrm>
+            <a:prstGeom prst="rect">
+              <a:avLst/>
+            </a:prstGeom>
+            <a:ln w="19050">
+              <a:solidFill>
+                <a:srgbClr val="7030A0"/>
+              </a:solidFill>
+            </a:ln>
+            <a:effectLst/>
+          </p:spPr>
+          <p:style>
+            <a:lnRef idx="1">
+              <a:schemeClr val="accent4"/>
+            </a:lnRef>
+            <a:fillRef idx="2">
+              <a:schemeClr val="accent4"/>
+            </a:fillRef>
+            <a:effectRef idx="1">
+              <a:schemeClr val="accent4"/>
+            </a:effectRef>
+            <a:fontRef idx="minor">
+              <a:schemeClr val="dk1"/>
+            </a:fontRef>
+          </p:style>
+          <p:txBody>
+            <a:bodyPr rtlCol="0" anchor="ctr"/>
+            <a:p>
+              <a:pPr algn="ctr"/>
+              <a:r>
+                <a:rPr lang="en-US" altLang="en-SG" sz="1050" dirty="0">
+                  <a:solidFill>
+                    <a:srgbClr val="7030A0"/>
+                  </a:solidFill>
+                </a:rPr>
+                <a:t>Time</a:t>
+              </a:r>
+              <a:endParaRPr lang="en-US" altLang="en-SG" sz="1050" dirty="0">
+                <a:solidFill>
+                  <a:srgbClr val="7030A0"/>
+                </a:solidFill>
+              </a:endParaRPr>
+            </a:p>
+          </p:txBody>
+        </p:sp>
+        <p:sp>
+          <p:nvSpPr>
+            <p:cNvPr id="6" name="Flowchart: Decision 96"/>
+            <p:cNvSpPr/>
+            <p:nvPr/>
+          </p:nvSpPr>
+          <p:spPr>
+            <a:xfrm>
+              <a:off x="11153" y="4638"/>
+              <a:ext cx="372" cy="273"/>
+            </a:xfrm>
+            <a:prstGeom prst="flowChartDecision">
+              <a:avLst/>
+            </a:prstGeom>
             <a:solidFill>
               <a:srgbClr val="7030A0"/>
             </a:solidFill>
-          </a:ln>
-          <a:effectLst/>
-        </p:spPr>
-        <p:style>
-          <a:lnRef idx="1">
-            <a:schemeClr val="accent4"/>
-          </a:lnRef>
-          <a:fillRef idx="2">
-            <a:schemeClr val="accent4"/>
-          </a:fillRef>
-          <a:effectRef idx="1">
-            <a:schemeClr val="accent4"/>
-          </a:effectRef>
-          <a:fontRef idx="minor">
-            <a:schemeClr val="dk1"/>
-          </a:fontRef>
-        </p:style>
-        <p:txBody>
-          <a:bodyPr rtlCol="0" anchor="ctr"/>
-          <a:lstStyle/>
-          <a:p>
-            <a:pPr algn="ctr"/>
-            <a:r>
-              <a:rPr lang="en-US" sz="1050" dirty="0" smtClean="0">
+            <a:ln w="19050">
+              <a:solidFill>
+                <a:srgbClr val="7030A0"/>
+              </a:solidFill>
+            </a:ln>
+            <a:effectLst/>
+          </p:spPr>
+          <p:style>
+            <a:lnRef idx="1">
+              <a:schemeClr val="accent6"/>
+            </a:lnRef>
+            <a:fillRef idx="2">
+              <a:schemeClr val="accent6"/>
+            </a:fillRef>
+            <a:effectRef idx="1">
+              <a:schemeClr val="accent6"/>
+            </a:effectRef>
+            <a:fontRef idx="minor">
+              <a:schemeClr val="dk1"/>
+            </a:fontRef>
+          </p:style>
+          <p:txBody>
+            <a:bodyPr rtlCol="0" anchor="ctr"/>
+            <a:p>
+              <a:pPr algn="ctr"/>
+              <a:endParaRPr lang="en-US" sz="1050"/>
+            </a:p>
+          </p:txBody>
+        </p:sp>
+        <p:cxnSp>
+          <p:nvCxnSpPr>
+            <p:cNvPr id="7" name="Elbow Connector 78"/>
+            <p:cNvCxnSpPr>
+              <a:stCxn id="6" idx="3"/>
+              <a:endCxn id="5" idx="1"/>
+            </p:cNvCxnSpPr>
+            <p:nvPr/>
+          </p:nvCxnSpPr>
+          <p:spPr>
+            <a:xfrm flipV="1">
+              <a:off x="11525" y="4263"/>
+              <a:ext cx="621" cy="511"/>
+            </a:xfrm>
+            <a:prstGeom prst="bentConnector3">
+              <a:avLst>
+                <a:gd name="adj1" fmla="val 50000"/>
+              </a:avLst>
+            </a:prstGeom>
+            <a:ln w="19050">
+              <a:solidFill>
+                <a:srgbClr val="7030A0"/>
+              </a:solidFill>
+              <a:headEnd type="none" w="med" len="med"/>
+              <a:tailEnd type="arrow" w="med" len="med"/>
+            </a:ln>
+            <a:effectLst/>
+          </p:spPr>
+          <p:style>
+            <a:lnRef idx="1">
+              <a:schemeClr val="accent2"/>
+            </a:lnRef>
+            <a:fillRef idx="2">
+              <a:schemeClr val="accent2"/>
+            </a:fillRef>
+            <a:effectRef idx="1">
+              <a:schemeClr val="accent2"/>
+            </a:effectRef>
+            <a:fontRef idx="minor">
+              <a:schemeClr val="dk1"/>
+            </a:fontRef>
+          </p:style>
+        </p:cxnSp>
+        <p:sp>
+          <p:nvSpPr>
+            <p:cNvPr id="80" name="Rectangle 8"/>
+            <p:cNvSpPr/>
+            <p:nvPr/>
+          </p:nvSpPr>
+          <p:spPr>
+            <a:xfrm>
+              <a:off x="12146" y="4547"/>
+              <a:ext cx="1115" cy="450"/>
+            </a:xfrm>
+            <a:prstGeom prst="rect">
+              <a:avLst/>
+            </a:prstGeom>
+            <a:ln w="19050">
+              <a:solidFill>
+                <a:srgbClr val="7030A0"/>
+              </a:solidFill>
+            </a:ln>
+            <a:effectLst/>
+          </p:spPr>
+          <p:style>
+            <a:lnRef idx="1">
+              <a:schemeClr val="accent4"/>
+            </a:lnRef>
+            <a:fillRef idx="2">
+              <a:schemeClr val="accent4"/>
+            </a:fillRef>
+            <a:effectRef idx="1">
+              <a:schemeClr val="accent4"/>
+            </a:effectRef>
+            <a:fontRef idx="minor">
+              <a:schemeClr val="dk1"/>
+            </a:fontRef>
+          </p:style>
+          <p:txBody>
+            <a:bodyPr rtlCol="0" anchor="ctr"/>
+            <a:p>
+              <a:pPr algn="ctr"/>
+              <a:r>
+                <a:rPr lang="en-US" altLang="en-SG" sz="1050" dirty="0">
+                  <a:solidFill>
+                    <a:srgbClr val="7030A0"/>
+                  </a:solidFill>
+                </a:rPr>
+                <a:t>Date</a:t>
+              </a:r>
+              <a:endParaRPr lang="en-US" altLang="en-SG" sz="1050" dirty="0">
                 <a:solidFill>
                   <a:srgbClr val="7030A0"/>
                 </a:solidFill>
-              </a:rPr>
-              <a:t>Date</a:t>
-            </a:r>
-            <a:endParaRPr lang="en-US" sz="1050" dirty="0">
+              </a:endParaRPr>
+            </a:p>
+          </p:txBody>
+        </p:sp>
+        <p:cxnSp>
+          <p:nvCxnSpPr>
+            <p:cNvPr id="81" name="Elbow Connector 80"/>
+            <p:cNvCxnSpPr>
+              <a:stCxn id="6" idx="3"/>
+              <a:endCxn id="80" idx="1"/>
+            </p:cNvCxnSpPr>
+            <p:nvPr/>
+          </p:nvCxnSpPr>
+          <p:spPr>
+            <a:xfrm flipV="1">
+              <a:off x="11525" y="4772"/>
+              <a:ext cx="621" cy="3"/>
+            </a:xfrm>
+            <a:prstGeom prst="bentConnector3">
+              <a:avLst>
+                <a:gd name="adj1" fmla="val 50000"/>
+              </a:avLst>
+            </a:prstGeom>
+            <a:ln w="19050">
               <a:solidFill>
                 <a:srgbClr val="7030A0"/>
               </a:solidFill>
-            </a:endParaRPr>
-          </a:p>
-        </p:txBody>
-      </p:sp>
-      <p:sp>
-        <p:nvSpPr>
-          <p:cNvPr id="78" name="Flowchart: Decision 96"/>
-          <p:cNvSpPr/>
-          <p:nvPr/>
-        </p:nvSpPr>
-        <p:spPr>
-          <a:xfrm>
-            <a:off x="2978582" y="2801516"/>
-            <a:ext cx="236048" cy="173380"/>
-          </a:xfrm>
-          <a:prstGeom prst="flowChartDecision">
-            <a:avLst/>
-          </a:prstGeom>
-          <a:solidFill>
-            <a:srgbClr val="7030A0"/>
-          </a:solidFill>
-          <a:ln w="19050">
-            <a:solidFill>
-              <a:srgbClr val="7030A0"/>
-            </a:solidFill>
-          </a:ln>
-          <a:effectLst/>
-        </p:spPr>
-        <p:style>
-          <a:lnRef idx="1">
-            <a:schemeClr val="accent6"/>
-          </a:lnRef>
-          <a:fillRef idx="2">
-            <a:schemeClr val="accent6"/>
-          </a:fillRef>
-          <a:effectRef idx="1">
-            <a:schemeClr val="accent6"/>
-          </a:effectRef>
-          <a:fontRef idx="minor">
-            <a:schemeClr val="dk1"/>
-          </a:fontRef>
-        </p:style>
-        <p:txBody>
-          <a:bodyPr rtlCol="0" anchor="ctr"/>
-          <a:lstStyle/>
-          <a:p>
-            <a:pPr algn="ctr"/>
-            <a:endParaRPr lang="en-US" sz="1050"/>
-          </a:p>
-        </p:txBody>
-      </p:sp>
-      <p:cxnSp>
-        <p:nvCxnSpPr>
-          <p:cNvPr id="79" name="Elbow Connector 78"/>
-          <p:cNvCxnSpPr>
-            <a:stCxn id="78" idx="3"/>
-            <a:endCxn id="76" idx="1"/>
-          </p:cNvCxnSpPr>
-          <p:nvPr/>
-        </p:nvCxnSpPr>
-        <p:spPr>
-          <a:xfrm flipV="1">
-            <a:off x="3215005" y="1682750"/>
-            <a:ext cx="1931670" cy="1205865"/>
-          </a:xfrm>
-          <a:prstGeom prst="bentConnector3">
-            <a:avLst>
-              <a:gd name="adj1" fmla="val 50000"/>
-            </a:avLst>
-          </a:prstGeom>
-          <a:ln w="19050">
-            <a:solidFill>
-              <a:srgbClr val="7030A0"/>
-            </a:solidFill>
-            <a:headEnd type="none" w="med" len="med"/>
-            <a:tailEnd type="arrow" w="med" len="med"/>
-          </a:ln>
-          <a:effectLst/>
-        </p:spPr>
-        <p:style>
-          <a:lnRef idx="1">
-            <a:schemeClr val="accent2"/>
-          </a:lnRef>
-          <a:fillRef idx="2">
-            <a:schemeClr val="accent2"/>
-          </a:fillRef>
-          <a:effectRef idx="1">
-            <a:schemeClr val="accent2"/>
-          </a:effectRef>
-          <a:fontRef idx="minor">
-            <a:schemeClr val="dk1"/>
-          </a:fontRef>
-        </p:style>
-      </p:cxnSp>
-      <p:sp>
-        <p:nvSpPr>
-          <p:cNvPr id="83" name="Rectangle 8"/>
-          <p:cNvSpPr/>
-          <p:nvPr/>
-        </p:nvSpPr>
-        <p:spPr>
-          <a:xfrm>
-            <a:off x="5146675" y="2441575"/>
-            <a:ext cx="1724660" cy="885190"/>
-          </a:xfrm>
-          <a:prstGeom prst="rect">
-            <a:avLst/>
-          </a:prstGeom>
-          <a:ln w="19050">
-            <a:solidFill>
-              <a:srgbClr val="7030A0"/>
-            </a:solidFill>
-          </a:ln>
-          <a:effectLst/>
-        </p:spPr>
-        <p:style>
-          <a:lnRef idx="1">
-            <a:schemeClr val="accent4"/>
-          </a:lnRef>
-          <a:fillRef idx="2">
-            <a:schemeClr val="accent4"/>
-          </a:fillRef>
-          <a:effectRef idx="1">
-            <a:schemeClr val="accent4"/>
-          </a:effectRef>
-          <a:fontRef idx="minor">
-            <a:schemeClr val="dk1"/>
-          </a:fontRef>
-        </p:style>
-        <p:txBody>
-          <a:bodyPr rtlCol="0" anchor="ctr"/>
-          <a:lstStyle/>
-          <a:p>
-            <a:pPr algn="ctr"/>
-            <a:r>
-              <a:rPr lang="en-US" sz="1050" dirty="0" smtClean="0">
+              <a:headEnd type="none" w="med" len="med"/>
+              <a:tailEnd type="arrow" w="med" len="med"/>
+            </a:ln>
+            <a:effectLst/>
+          </p:spPr>
+          <p:style>
+            <a:lnRef idx="1">
+              <a:schemeClr val="accent2"/>
+            </a:lnRef>
+            <a:fillRef idx="2">
+              <a:schemeClr val="accent2"/>
+            </a:fillRef>
+            <a:effectRef idx="1">
+              <a:schemeClr val="accent2"/>
+            </a:effectRef>
+            <a:fontRef idx="minor">
+              <a:schemeClr val="dk1"/>
+            </a:fontRef>
+          </p:style>
+        </p:cxnSp>
+        <p:sp>
+          <p:nvSpPr>
+            <p:cNvPr id="8" name="Rectangle 8"/>
+            <p:cNvSpPr/>
+            <p:nvPr/>
+          </p:nvSpPr>
+          <p:spPr>
+            <a:xfrm>
+              <a:off x="12146" y="5055"/>
+              <a:ext cx="1115" cy="450"/>
+            </a:xfrm>
+            <a:prstGeom prst="rect">
+              <a:avLst/>
+            </a:prstGeom>
+            <a:ln w="19050">
+              <a:solidFill>
+                <a:srgbClr val="7030A0"/>
+              </a:solidFill>
+            </a:ln>
+            <a:effectLst/>
+          </p:spPr>
+          <p:style>
+            <a:lnRef idx="1">
+              <a:schemeClr val="accent4"/>
+            </a:lnRef>
+            <a:fillRef idx="2">
+              <a:schemeClr val="accent4"/>
+            </a:fillRef>
+            <a:effectRef idx="1">
+              <a:schemeClr val="accent4"/>
+            </a:effectRef>
+            <a:fontRef idx="minor">
+              <a:schemeClr val="dk1"/>
+            </a:fontRef>
+          </p:style>
+          <p:txBody>
+            <a:bodyPr rtlCol="0" anchor="ctr"/>
+            <a:p>
+              <a:pPr algn="ctr"/>
+              <a:r>
+                <a:rPr lang="en-US" altLang="en-SG" sz="1050" dirty="0">
+                  <a:solidFill>
+                    <a:srgbClr val="7030A0"/>
+                  </a:solidFill>
+                </a:rPr>
+                <a:t>Duration</a:t>
+              </a:r>
+              <a:endParaRPr lang="en-US" altLang="en-SG" sz="1050" dirty="0">
                 <a:solidFill>
                   <a:srgbClr val="7030A0"/>
                 </a:solidFill>
-              </a:rPr>
-              <a:t>Time</a:t>
-            </a:r>
-            <a:endParaRPr lang="en-US" sz="1050" dirty="0">
+              </a:endParaRPr>
+            </a:p>
+          </p:txBody>
+        </p:sp>
+        <p:cxnSp>
+          <p:nvCxnSpPr>
+            <p:cNvPr id="10" name="Elbow Connector 83"/>
+            <p:cNvCxnSpPr>
+              <a:stCxn id="6" idx="3"/>
+              <a:endCxn id="8" idx="1"/>
+            </p:cNvCxnSpPr>
+            <p:nvPr/>
+          </p:nvCxnSpPr>
+          <p:spPr>
+            <a:xfrm>
+              <a:off x="11525" y="4775"/>
+              <a:ext cx="621" cy="506"/>
+            </a:xfrm>
+            <a:prstGeom prst="bentConnector3">
+              <a:avLst>
+                <a:gd name="adj1" fmla="val 50000"/>
+              </a:avLst>
+            </a:prstGeom>
+            <a:ln w="19050">
               <a:solidFill>
                 <a:srgbClr val="7030A0"/>
               </a:solidFill>
-            </a:endParaRPr>
-          </a:p>
-        </p:txBody>
-      </p:sp>
-      <p:cxnSp>
-        <p:nvCxnSpPr>
-          <p:cNvPr id="84" name="Elbow Connector 83"/>
-          <p:cNvCxnSpPr>
-            <a:stCxn id="78" idx="3"/>
-            <a:endCxn id="83" idx="1"/>
-          </p:cNvCxnSpPr>
-          <p:nvPr/>
-        </p:nvCxnSpPr>
-        <p:spPr>
-          <a:xfrm flipV="1">
-            <a:off x="3215005" y="2884170"/>
-            <a:ext cx="1931670" cy="4445"/>
-          </a:xfrm>
-          <a:prstGeom prst="bentConnector3">
-            <a:avLst>
-              <a:gd name="adj1" fmla="val 50000"/>
-            </a:avLst>
-          </a:prstGeom>
-          <a:ln w="19050">
-            <a:solidFill>
-              <a:srgbClr val="7030A0"/>
-            </a:solidFill>
-            <a:headEnd type="none" w="med" len="med"/>
-            <a:tailEnd type="arrow" w="med" len="med"/>
-          </a:ln>
-          <a:effectLst/>
-        </p:spPr>
-        <p:style>
-          <a:lnRef idx="1">
-            <a:schemeClr val="accent2"/>
-          </a:lnRef>
-          <a:fillRef idx="2">
-            <a:schemeClr val="accent2"/>
-          </a:fillRef>
-          <a:effectRef idx="1">
-            <a:schemeClr val="accent2"/>
-          </a:effectRef>
-          <a:fontRef idx="minor">
-            <a:schemeClr val="dk1"/>
-          </a:fontRef>
-        </p:style>
-      </p:cxnSp>
-      <p:sp>
-        <p:nvSpPr>
-          <p:cNvPr id="85" name="Rectangle 8"/>
-          <p:cNvSpPr/>
-          <p:nvPr/>
-        </p:nvSpPr>
-        <p:spPr>
-          <a:xfrm>
-            <a:off x="5146675" y="3720465"/>
-            <a:ext cx="1725295" cy="961390"/>
-          </a:xfrm>
-          <a:prstGeom prst="rect">
-            <a:avLst/>
-          </a:prstGeom>
-          <a:ln w="19050">
-            <a:solidFill>
-              <a:srgbClr val="7030A0"/>
-            </a:solidFill>
-          </a:ln>
-          <a:effectLst/>
-        </p:spPr>
-        <p:style>
-          <a:lnRef idx="1">
-            <a:schemeClr val="accent4"/>
-          </a:lnRef>
-          <a:fillRef idx="2">
-            <a:schemeClr val="accent4"/>
-          </a:fillRef>
-          <a:effectRef idx="1">
-            <a:schemeClr val="accent4"/>
-          </a:effectRef>
-          <a:fontRef idx="minor">
-            <a:schemeClr val="dk1"/>
-          </a:fontRef>
-        </p:style>
-        <p:txBody>
-          <a:bodyPr rtlCol="0" anchor="ctr"/>
-          <a:lstStyle/>
-          <a:p>
-            <a:pPr algn="ctr"/>
-            <a:r>
-              <a:rPr lang="en-US" sz="1050" dirty="0" smtClean="0">
+              <a:headEnd type="none" w="med" len="med"/>
+              <a:tailEnd type="arrow" w="med" len="med"/>
+            </a:ln>
+            <a:effectLst/>
+          </p:spPr>
+          <p:style>
+            <a:lnRef idx="1">
+              <a:schemeClr val="accent2"/>
+            </a:lnRef>
+            <a:fillRef idx="2">
+              <a:schemeClr val="accent2"/>
+            </a:fillRef>
+            <a:effectRef idx="1">
+              <a:schemeClr val="accent2"/>
+            </a:effectRef>
+            <a:fontRef idx="minor">
+              <a:schemeClr val="dk1"/>
+            </a:fontRef>
+          </p:style>
+        </p:cxnSp>
+        <p:cxnSp>
+          <p:nvCxnSpPr>
+            <p:cNvPr id="97" name="Elbow Connector 63"/>
+            <p:cNvCxnSpPr>
+              <a:stCxn id="99" idx="3"/>
+            </p:cNvCxnSpPr>
+            <p:nvPr/>
+          </p:nvCxnSpPr>
+          <p:spPr>
+            <a:xfrm rot="16200000" flipH="1">
+              <a:off x="5164" y="3914"/>
+              <a:ext cx="463" cy="0"/>
+            </a:xfrm>
+            <a:prstGeom prst="bentConnector3">
+              <a:avLst>
+                <a:gd name="adj1" fmla="val 50000"/>
+              </a:avLst>
+            </a:prstGeom>
+            <a:ln w="19050">
+              <a:solidFill>
+                <a:srgbClr val="7030A0"/>
+              </a:solidFill>
+              <a:prstDash val="sysDot"/>
+              <a:headEnd type="none" w="med" len="med"/>
+              <a:tailEnd type="none" w="med" len="med"/>
+            </a:ln>
+            <a:effectLst/>
+          </p:spPr>
+          <p:style>
+            <a:lnRef idx="1">
+              <a:schemeClr val="accent2"/>
+            </a:lnRef>
+            <a:fillRef idx="2">
+              <a:schemeClr val="accent2"/>
+            </a:fillRef>
+            <a:effectRef idx="1">
+              <a:schemeClr val="accent2"/>
+            </a:effectRef>
+            <a:fontRef idx="minor">
+              <a:schemeClr val="dk1"/>
+            </a:fontRef>
+          </p:style>
+        </p:cxnSp>
+        <p:sp>
+          <p:nvSpPr>
+            <p:cNvPr id="99" name="Isosceles Triangle 102"/>
+            <p:cNvSpPr/>
+            <p:nvPr/>
+          </p:nvSpPr>
+          <p:spPr>
+            <a:xfrm rot="10800000" flipV="1">
+              <a:off x="5183" y="3406"/>
+              <a:ext cx="426" cy="276"/>
+            </a:xfrm>
+            <a:prstGeom prst="triangle">
+              <a:avLst/>
+            </a:prstGeom>
+            <a:ln w="19050">
+              <a:solidFill>
+                <a:srgbClr val="7030A0"/>
+              </a:solidFill>
+            </a:ln>
+            <a:effectLst/>
+          </p:spPr>
+          <p:style>
+            <a:lnRef idx="1">
+              <a:schemeClr val="accent4"/>
+            </a:lnRef>
+            <a:fillRef idx="2">
+              <a:schemeClr val="accent4"/>
+            </a:fillRef>
+            <a:effectRef idx="1">
+              <a:schemeClr val="accent4"/>
+            </a:effectRef>
+            <a:fontRef idx="minor">
+              <a:schemeClr val="dk1"/>
+            </a:fontRef>
+          </p:style>
+          <p:txBody>
+            <a:bodyPr rtlCol="0" anchor="ctr"/>
+            <a:p>
+              <a:pPr algn="ctr"/>
+              <a:endParaRPr lang="en-SG" sz="1050" b="1">
+                <a:solidFill>
+                  <a:srgbClr val="92D050"/>
+                </a:solidFill>
+              </a:endParaRPr>
+            </a:p>
+          </p:txBody>
+        </p:sp>
+        <p:sp>
+          <p:nvSpPr>
+            <p:cNvPr id="100" name="Rectangle 8"/>
+            <p:cNvSpPr/>
+            <p:nvPr/>
+          </p:nvSpPr>
+          <p:spPr>
+            <a:xfrm>
+              <a:off x="4189" y="2845"/>
+              <a:ext cx="2425" cy="546"/>
+            </a:xfrm>
+            <a:prstGeom prst="rect">
+              <a:avLst/>
+            </a:prstGeom>
+            <a:ln w="19050">
+              <a:solidFill>
+                <a:srgbClr val="7030A0"/>
+              </a:solidFill>
+            </a:ln>
+            <a:effectLst/>
+          </p:spPr>
+          <p:style>
+            <a:lnRef idx="1">
+              <a:schemeClr val="accent4"/>
+            </a:lnRef>
+            <a:fillRef idx="2">
+              <a:schemeClr val="accent4"/>
+            </a:fillRef>
+            <a:effectRef idx="1">
+              <a:schemeClr val="accent4"/>
+            </a:effectRef>
+            <a:fontRef idx="minor">
+              <a:schemeClr val="dk1"/>
+            </a:fontRef>
+          </p:style>
+          <p:txBody>
+            <a:bodyPr rtlCol="0" anchor="ctr"/>
+            <a:p>
+              <a:pPr algn="ctr"/>
+              <a:r>
+                <a:rPr lang="en-US" sz="1050" dirty="0" smtClean="0">
+                  <a:solidFill>
+                    <a:srgbClr val="7030A0"/>
+                  </a:solidFill>
+                </a:rPr>
+                <a:t>&lt;&lt;interface&gt;&gt;</a:t>
+              </a:r>
+              <a:br>
+                <a:rPr lang="en-US" sz="1050" dirty="0" smtClean="0">
+                  <a:solidFill>
+                    <a:srgbClr val="7030A0"/>
+                  </a:solidFill>
+                </a:rPr>
+              </a:br>
+              <a:r>
+                <a:rPr lang="en-US" sz="1050" dirty="0" err="1" smtClean="0">
+                  <a:solidFill>
+                    <a:srgbClr val="7030A0"/>
+                  </a:solidFill>
+                </a:rPr>
+                <a:t>ReadOnlyAddressBook</a:t>
+              </a:r>
+              <a:endParaRPr lang="en-SG" sz="1050" dirty="0">
                 <a:solidFill>
                   <a:srgbClr val="7030A0"/>
                 </a:solidFill>
-              </a:rPr>
-              <a:t>Duration</a:t>
-            </a:r>
-            <a:endParaRPr lang="en-US" sz="1050" dirty="0">
-              <a:solidFill>
-                <a:srgbClr val="7030A0"/>
-              </a:solidFill>
-            </a:endParaRPr>
-          </a:p>
-        </p:txBody>
-      </p:sp>
-      <p:cxnSp>
-        <p:nvCxnSpPr>
-          <p:cNvPr id="86" name="Elbow Connector 85"/>
-          <p:cNvCxnSpPr>
-            <a:stCxn id="78" idx="3"/>
-            <a:endCxn id="85" idx="1"/>
-          </p:cNvCxnSpPr>
-          <p:nvPr/>
-        </p:nvCxnSpPr>
-        <p:spPr>
-          <a:xfrm>
-            <a:off x="3215005" y="2888615"/>
-            <a:ext cx="1931670" cy="1312545"/>
-          </a:xfrm>
-          <a:prstGeom prst="bentConnector3">
-            <a:avLst>
-              <a:gd name="adj1" fmla="val 50000"/>
-            </a:avLst>
-          </a:prstGeom>
-          <a:ln w="19050">
-            <a:solidFill>
-              <a:srgbClr val="7030A0"/>
-            </a:solidFill>
-            <a:headEnd type="none" w="med" len="med"/>
-            <a:tailEnd type="arrow" w="med" len="med"/>
-          </a:ln>
-          <a:effectLst/>
-        </p:spPr>
-        <p:style>
-          <a:lnRef idx="1">
-            <a:schemeClr val="accent2"/>
-          </a:lnRef>
-          <a:fillRef idx="2">
-            <a:schemeClr val="accent2"/>
-          </a:fillRef>
-          <a:effectRef idx="1">
-            <a:schemeClr val="accent2"/>
-          </a:effectRef>
-          <a:fontRef idx="minor">
-            <a:schemeClr val="dk1"/>
-          </a:fontRef>
-        </p:style>
-      </p:cxnSp>
-      <p:sp>
-        <p:nvSpPr>
-          <p:cNvPr id="54" name="TextBox 53"/>
-          <p:cNvSpPr txBox="1"/>
-          <p:nvPr/>
-        </p:nvSpPr>
-        <p:spPr>
-          <a:xfrm>
-            <a:off x="4105262" y="2364809"/>
-            <a:ext cx="189257" cy="178683"/>
-          </a:xfrm>
-          <a:prstGeom prst="rect">
-            <a:avLst/>
-          </a:prstGeom>
-          <a:noFill/>
-        </p:spPr>
-        <p:txBody>
-          <a:bodyPr wrap="square" lIns="0" tIns="0" rIns="0" bIns="0" rtlCol="0">
-            <a:noAutofit/>
-          </a:bodyPr>
-          <a:lstStyle/>
-          <a:p>
-            <a:pPr algn="ctr"/>
-            <a:endParaRPr lang="en-SG" sz="1100" dirty="0">
-              <a:solidFill>
-                <a:srgbClr val="7030A0"/>
-              </a:solidFill>
-            </a:endParaRPr>
-          </a:p>
-        </p:txBody>
-      </p:sp>
-      <p:sp>
-        <p:nvSpPr>
-          <p:cNvPr id="70" name="TextBox 69"/>
-          <p:cNvSpPr txBox="1"/>
-          <p:nvPr/>
-        </p:nvSpPr>
-        <p:spPr>
-          <a:xfrm>
-            <a:off x="6448060" y="2516139"/>
-            <a:ext cx="189257" cy="178683"/>
-          </a:xfrm>
-          <a:prstGeom prst="rect">
-            <a:avLst/>
-          </a:prstGeom>
-          <a:noFill/>
-        </p:spPr>
-        <p:txBody>
-          <a:bodyPr wrap="square" lIns="0" tIns="0" rIns="0" bIns="0" rtlCol="0">
-            <a:noAutofit/>
-          </a:bodyPr>
-          <a:lstStyle/>
-          <a:p>
-            <a:pPr algn="ctr"/>
-            <a:endParaRPr lang="en-SG" sz="1100" dirty="0">
-              <a:solidFill>
-                <a:srgbClr val="7030A0"/>
-              </a:solidFill>
-            </a:endParaRPr>
-          </a:p>
-        </p:txBody>
-      </p:sp>
+              </a:endParaRPr>
+            </a:p>
+          </p:txBody>
+        </p:sp>
+        <p:sp>
+          <p:nvSpPr>
+            <p:cNvPr id="14" name="TextBox 53"/>
+            <p:cNvSpPr txBox="1"/>
+            <p:nvPr/>
+          </p:nvSpPr>
+          <p:spPr>
+            <a:xfrm>
+              <a:off x="6811" y="4817"/>
+              <a:ext cx="298" cy="281"/>
+            </a:xfrm>
+            <a:prstGeom prst="rect">
+              <a:avLst/>
+            </a:prstGeom>
+            <a:noFill/>
+          </p:spPr>
+          <p:txBody>
+            <a:bodyPr wrap="square" lIns="0" tIns="0" rIns="0" bIns="0" rtlCol="0">
+              <a:noAutofit/>
+            </a:bodyPr>
+            <a:p>
+              <a:pPr algn="ctr"/>
+              <a:r>
+                <a:rPr lang="en-US" sz="1100" dirty="0" smtClean="0">
+                  <a:solidFill>
+                    <a:srgbClr val="7030A0"/>
+                  </a:solidFill>
+                </a:rPr>
+                <a:t>1</a:t>
+              </a:r>
+              <a:endParaRPr lang="en-SG" sz="1100" dirty="0">
+                <a:solidFill>
+                  <a:srgbClr val="7030A0"/>
+                </a:solidFill>
+              </a:endParaRPr>
+            </a:p>
+          </p:txBody>
+        </p:sp>
+        <p:sp>
+          <p:nvSpPr>
+            <p:cNvPr id="61" name="TextBox 60"/>
+            <p:cNvSpPr txBox="1"/>
+            <p:nvPr/>
+          </p:nvSpPr>
+          <p:spPr>
+            <a:xfrm>
+              <a:off x="9662" y="4879"/>
+              <a:ext cx="298" cy="281"/>
+            </a:xfrm>
+            <a:prstGeom prst="rect">
+              <a:avLst/>
+            </a:prstGeom>
+            <a:noFill/>
+          </p:spPr>
+          <p:txBody>
+            <a:bodyPr wrap="square" lIns="0" tIns="0" rIns="0" bIns="0" rtlCol="0">
+              <a:noAutofit/>
+            </a:bodyPr>
+            <a:p>
+              <a:pPr algn="ctr"/>
+              <a:r>
+                <a:rPr lang="en-US" sz="1100" dirty="0" smtClean="0">
+                  <a:solidFill>
+                    <a:srgbClr val="7030A0"/>
+                  </a:solidFill>
+                </a:rPr>
+                <a:t>*</a:t>
+              </a:r>
+              <a:endParaRPr lang="en-SG" sz="1100" dirty="0">
+                <a:solidFill>
+                  <a:srgbClr val="7030A0"/>
+                </a:solidFill>
+              </a:endParaRPr>
+            </a:p>
+          </p:txBody>
+        </p:sp>
+        <p:sp>
+          <p:nvSpPr>
+            <p:cNvPr id="15" name="TextBox 69"/>
+            <p:cNvSpPr txBox="1"/>
+            <p:nvPr/>
+          </p:nvSpPr>
+          <p:spPr>
+            <a:xfrm>
+              <a:off x="10500" y="5055"/>
+              <a:ext cx="298" cy="281"/>
+            </a:xfrm>
+            <a:prstGeom prst="rect">
+              <a:avLst/>
+            </a:prstGeom>
+            <a:noFill/>
+          </p:spPr>
+          <p:txBody>
+            <a:bodyPr wrap="square" lIns="0" tIns="0" rIns="0" bIns="0" rtlCol="0">
+              <a:noAutofit/>
+            </a:bodyPr>
+            <a:p>
+              <a:pPr algn="ctr"/>
+              <a:r>
+                <a:rPr lang="en-US" sz="1100" dirty="0" smtClean="0">
+                  <a:solidFill>
+                    <a:srgbClr val="7030A0"/>
+                  </a:solidFill>
+                </a:rPr>
+                <a:t>1</a:t>
+              </a:r>
+              <a:endParaRPr lang="en-SG" sz="1100" dirty="0">
+                <a:solidFill>
+                  <a:srgbClr val="7030A0"/>
+                </a:solidFill>
+              </a:endParaRPr>
+            </a:p>
+          </p:txBody>
+        </p:sp>
+      </p:grpSp>
     </p:spTree>
   </p:cSld>
   <p:clrMapOvr>

--- a/docs/diagrams/ModelAppointmentClassDiagram.pptx
+++ b/docs/diagrams/ModelAppointmentClassDiagram.pptx
@@ -3402,261 +3402,44 @@
           <a:chExt cx="0" cy="0"/>
         </a:xfrm>
       </p:grpSpPr>
-      <p:sp>
-        <p:nvSpPr>
-          <p:cNvPr id="2" name="Rectangle 65"/>
-          <p:cNvSpPr/>
-          <p:nvPr/>
-        </p:nvSpPr>
-        <p:spPr>
-          <a:xfrm>
-            <a:off x="513715" y="1162685"/>
-            <a:ext cx="8267065" cy="4603115"/>
-          </a:xfrm>
-          <a:prstGeom prst="roundRect">
-            <a:avLst>
-              <a:gd name="adj" fmla="val 3484"/>
-            </a:avLst>
-          </a:prstGeom>
-          <a:solidFill>
-            <a:schemeClr val="accent4">
-              <a:lumMod val="20000"/>
-              <a:lumOff val="80000"/>
-            </a:schemeClr>
-          </a:solidFill>
-          <a:ln w="19050">
-            <a:noFill/>
-          </a:ln>
-          <a:effectLst/>
-        </p:spPr>
-        <p:style>
-          <a:lnRef idx="1">
-            <a:schemeClr val="accent2"/>
-          </a:lnRef>
-          <a:fillRef idx="2">
-            <a:schemeClr val="accent2"/>
-          </a:fillRef>
-          <a:effectRef idx="1">
-            <a:schemeClr val="accent2"/>
-          </a:effectRef>
-          <a:fontRef idx="minor">
-            <a:schemeClr val="dk1"/>
-          </a:fontRef>
-        </p:style>
-        <p:txBody>
-          <a:bodyPr rtlCol="0" anchor="t"/>
-          <a:p>
-            <a:r>
-              <a:rPr lang="en-US" sz="1200" b="1" dirty="0" smtClean="0">
-                <a:solidFill>
-                  <a:srgbClr val="7030A0"/>
-                </a:solidFill>
-              </a:rPr>
-              <a:t>Model</a:t>
-            </a:r>
-            <a:endParaRPr lang="en-SG" sz="1200" b="1" dirty="0">
-              <a:solidFill>
-                <a:srgbClr val="7030A0"/>
-              </a:solidFill>
-            </a:endParaRPr>
-          </a:p>
-        </p:txBody>
-      </p:sp>
       <p:grpSp>
         <p:nvGrpSpPr>
-          <p:cNvPr id="16" name="组合 15"/>
+          <p:cNvPr id="11" name="组合 10"/>
           <p:cNvGrpSpPr/>
           <p:nvPr/>
         </p:nvGrpSpPr>
         <p:grpSpPr>
           <a:xfrm>
-            <a:off x="1022350" y="1883410"/>
-            <a:ext cx="6585585" cy="2686044"/>
-            <a:chOff x="4189" y="2845"/>
-            <a:chExt cx="9071" cy="2661"/>
+            <a:off x="513715" y="1162685"/>
+            <a:ext cx="8266430" cy="4602480"/>
+            <a:chOff x="809" y="1831"/>
+            <a:chExt cx="13018" cy="7248"/>
           </a:xfrm>
         </p:grpSpPr>
         <p:sp>
           <p:nvSpPr>
-            <p:cNvPr id="46" name="Rectangle 8"/>
+            <p:cNvPr id="2" name="Rectangle 65"/>
             <p:cNvSpPr/>
             <p:nvPr/>
           </p:nvSpPr>
           <p:spPr>
             <a:xfrm>
-              <a:off x="4535" y="4138"/>
-              <a:ext cx="1722" cy="546"/>
+              <a:off x="809" y="1831"/>
+              <a:ext cx="13019" cy="7249"/>
             </a:xfrm>
-            <a:prstGeom prst="rect">
-              <a:avLst/>
-            </a:prstGeom>
-            <a:ln w="19050">
-              <a:solidFill>
-                <a:srgbClr val="7030A0"/>
-              </a:solidFill>
-            </a:ln>
-            <a:effectLst/>
-          </p:spPr>
-          <p:style>
-            <a:lnRef idx="1">
-              <a:schemeClr val="accent4"/>
-            </a:lnRef>
-            <a:fillRef idx="2">
-              <a:schemeClr val="accent4"/>
-            </a:fillRef>
-            <a:effectRef idx="1">
-              <a:schemeClr val="accent4"/>
-            </a:effectRef>
-            <a:fontRef idx="minor">
-              <a:schemeClr val="dk1"/>
-            </a:fontRef>
-          </p:style>
-          <p:txBody>
-            <a:bodyPr rtlCol="0" anchor="ctr"/>
-            <a:p>
-              <a:pPr algn="ctr"/>
-              <a:r>
-                <a:rPr lang="en-US" sz="1050" dirty="0" err="1" smtClean="0">
-                  <a:solidFill>
-                    <a:srgbClr val="7030A0"/>
-                  </a:solidFill>
-                </a:rPr>
-                <a:t>AddressBook</a:t>
-              </a:r>
-              <a:endParaRPr lang="en-SG" sz="1050" dirty="0">
-                <a:solidFill>
-                  <a:srgbClr val="7030A0"/>
-                </a:solidFill>
-              </a:endParaRPr>
-            </a:p>
-          </p:txBody>
-        </p:sp>
-        <p:sp>
-          <p:nvSpPr>
-            <p:cNvPr id="49" name="Rectangle 8"/>
-            <p:cNvSpPr/>
-            <p:nvPr/>
-          </p:nvSpPr>
-          <p:spPr>
-            <a:xfrm>
-              <a:off x="7066" y="4484"/>
-              <a:ext cx="1821" cy="546"/>
-            </a:xfrm>
-            <a:prstGeom prst="rect">
-              <a:avLst/>
-            </a:prstGeom>
-            <a:ln w="19050">
-              <a:solidFill>
-                <a:srgbClr val="7030A0"/>
-              </a:solidFill>
-            </a:ln>
-            <a:effectLst/>
-          </p:spPr>
-          <p:style>
-            <a:lnRef idx="1">
-              <a:schemeClr val="accent4"/>
-            </a:lnRef>
-            <a:fillRef idx="2">
-              <a:schemeClr val="accent4"/>
-            </a:fillRef>
-            <a:effectRef idx="1">
-              <a:schemeClr val="accent4"/>
-            </a:effectRef>
-            <a:fontRef idx="minor">
-              <a:schemeClr val="dk1"/>
-            </a:fontRef>
-          </p:style>
-          <p:txBody>
-            <a:bodyPr rtlCol="0" anchor="ctr"/>
-            <a:p>
-              <a:pPr algn="ctr"/>
-              <a:r>
-                <a:rPr lang="en-US" sz="1050" dirty="0" err="1" smtClean="0">
-                  <a:solidFill>
-                    <a:srgbClr val="7030A0"/>
-                  </a:solidFill>
-                </a:rPr>
-                <a:t>UniqueAppointmentList</a:t>
-              </a:r>
-              <a:endParaRPr lang="en-SG" sz="1050" dirty="0">
-                <a:solidFill>
-                  <a:srgbClr val="7030A0"/>
-                </a:solidFill>
-              </a:endParaRPr>
-            </a:p>
-          </p:txBody>
-        </p:sp>
-        <p:sp>
-          <p:nvSpPr>
-            <p:cNvPr id="51" name="Flowchart: Decision 96"/>
-            <p:cNvSpPr/>
-            <p:nvPr/>
-          </p:nvSpPr>
-          <p:spPr>
-            <a:xfrm>
-              <a:off x="6274" y="4211"/>
-              <a:ext cx="372" cy="273"/>
-            </a:xfrm>
-            <a:prstGeom prst="flowChartDecision">
-              <a:avLst/>
+            <a:prstGeom prst="roundRect">
+              <a:avLst>
+                <a:gd name="adj" fmla="val 3484"/>
+              </a:avLst>
             </a:prstGeom>
             <a:solidFill>
-              <a:srgbClr val="7030A0"/>
+              <a:schemeClr val="accent4">
+                <a:lumMod val="20000"/>
+                <a:lumOff val="80000"/>
+              </a:schemeClr>
             </a:solidFill>
             <a:ln w="19050">
-              <a:solidFill>
-                <a:srgbClr val="7030A0"/>
-              </a:solidFill>
-            </a:ln>
-            <a:effectLst/>
-          </p:spPr>
-          <p:style>
-            <a:lnRef idx="1">
-              <a:schemeClr val="accent6"/>
-            </a:lnRef>
-            <a:fillRef idx="2">
-              <a:schemeClr val="accent6"/>
-            </a:fillRef>
-            <a:effectRef idx="1">
-              <a:schemeClr val="accent6"/>
-            </a:effectRef>
-            <a:fontRef idx="minor">
-              <a:schemeClr val="dk1"/>
-            </a:fontRef>
-          </p:style>
-          <p:txBody>
-            <a:bodyPr rtlCol="0" anchor="ctr"/>
-            <a:p>
-              <a:pPr algn="ctr"/>
-              <a:endParaRPr lang="en-US" sz="1050"/>
-            </a:p>
-          </p:txBody>
-        </p:sp>
-        <p:cxnSp>
-          <p:nvCxnSpPr>
-            <p:cNvPr id="30" name="Elbow Connector 29"/>
-            <p:cNvCxnSpPr>
-              <a:stCxn id="51" idx="3"/>
-              <a:endCxn id="49" idx="1"/>
-            </p:cNvCxnSpPr>
-            <p:nvPr/>
-          </p:nvCxnSpPr>
-          <p:spPr>
-            <a:xfrm>
-              <a:off x="6646" y="4348"/>
-              <a:ext cx="420" cy="409"/>
-            </a:xfrm>
-            <a:prstGeom prst="bentConnector3">
-              <a:avLst>
-                <a:gd name="adj1" fmla="val 50000"/>
-              </a:avLst>
-            </a:prstGeom>
-            <a:ln w="19050">
-              <a:solidFill>
-                <a:srgbClr val="7030A0"/>
-              </a:solidFill>
-              <a:headEnd type="none" w="med" len="med"/>
-              <a:tailEnd type="arrow" w="med" len="med"/>
+              <a:noFill/>
             </a:ln>
             <a:effectLst/>
           </p:spPr>
@@ -3674,55 +3457,18 @@
               <a:schemeClr val="dk1"/>
             </a:fontRef>
           </p:style>
-        </p:cxnSp>
-        <p:sp>
-          <p:nvSpPr>
-            <p:cNvPr id="4" name="Rectangle 8"/>
-            <p:cNvSpPr/>
-            <p:nvPr/>
-          </p:nvSpPr>
-          <p:spPr>
-            <a:xfrm>
-              <a:off x="9824" y="4464"/>
-              <a:ext cx="1329" cy="616"/>
-            </a:xfrm>
-            <a:prstGeom prst="rect">
-              <a:avLst/>
-            </a:prstGeom>
-            <a:ln w="19050">
-              <a:solidFill>
-                <a:srgbClr val="7030A0"/>
-              </a:solidFill>
-            </a:ln>
-            <a:effectLst/>
-          </p:spPr>
-          <p:style>
-            <a:lnRef idx="1">
-              <a:schemeClr val="accent4"/>
-            </a:lnRef>
-            <a:fillRef idx="2">
-              <a:schemeClr val="accent4"/>
-            </a:fillRef>
-            <a:effectRef idx="1">
-              <a:schemeClr val="accent4"/>
-            </a:effectRef>
-            <a:fontRef idx="minor">
-              <a:schemeClr val="dk1"/>
-            </a:fontRef>
-          </p:style>
           <p:txBody>
-            <a:bodyPr rtlCol="0" anchor="ctr"/>
+            <a:bodyPr rtlCol="0" anchor="t"/>
             <a:p>
-              <a:pPr algn="ctr"/>
               <a:r>
-                <a:rPr lang="en-US" sz="1050" dirty="0" smtClean="0">
+                <a:rPr lang="en-US" sz="1200" b="1" dirty="0" smtClean="0">
                   <a:solidFill>
                     <a:srgbClr val="7030A0"/>
                   </a:solidFill>
                 </a:rPr>
-                <a:t>Appointment</a:t>
+                <a:t>Model</a:t>
               </a:r>
-              <a:endParaRPr lang="en-US" sz="1050" dirty="0">
+              <a:endParaRPr lang="en-SG" sz="1200" b="1" dirty="0">
                 <a:solidFill>
                   <a:srgbClr val="7030A0"/>
                 </a:solidFill>
@@ -3730,103 +3476,986 @@
             </a:p>
           </p:txBody>
         </p:sp>
+        <p:grpSp>
+          <p:nvGrpSpPr>
+            <p:cNvPr id="16" name="组合 15"/>
+            <p:cNvGrpSpPr/>
+            <p:nvPr/>
+          </p:nvGrpSpPr>
+          <p:grpSpPr>
+            <a:xfrm>
+              <a:off x="1610" y="2966"/>
+              <a:ext cx="10371" cy="4230"/>
+              <a:chOff x="4189" y="2845"/>
+              <a:chExt cx="9071" cy="2661"/>
+            </a:xfrm>
+          </p:grpSpPr>
+          <p:sp>
+            <p:nvSpPr>
+              <p:cNvPr id="46" name="Rectangle 8"/>
+              <p:cNvSpPr/>
+              <p:nvPr/>
+            </p:nvSpPr>
+            <p:spPr>
+              <a:xfrm>
+                <a:off x="4535" y="4138"/>
+                <a:ext cx="1722" cy="546"/>
+              </a:xfrm>
+              <a:prstGeom prst="rect">
+                <a:avLst/>
+              </a:prstGeom>
+              <a:ln w="19050">
+                <a:solidFill>
+                  <a:srgbClr val="7030A0"/>
+                </a:solidFill>
+              </a:ln>
+              <a:effectLst/>
+            </p:spPr>
+            <p:style>
+              <a:lnRef idx="1">
+                <a:schemeClr val="accent4"/>
+              </a:lnRef>
+              <a:fillRef idx="2">
+                <a:schemeClr val="accent4"/>
+              </a:fillRef>
+              <a:effectRef idx="1">
+                <a:schemeClr val="accent4"/>
+              </a:effectRef>
+              <a:fontRef idx="minor">
+                <a:schemeClr val="dk1"/>
+              </a:fontRef>
+            </p:style>
+            <p:txBody>
+              <a:bodyPr rtlCol="0" anchor="ctr"/>
+              <a:p>
+                <a:pPr algn="ctr"/>
+                <a:r>
+                  <a:rPr lang="en-US" sz="1050" dirty="0" err="1" smtClean="0">
+                    <a:solidFill>
+                      <a:srgbClr val="7030A0"/>
+                    </a:solidFill>
+                  </a:rPr>
+                  <a:t>AddressBook</a:t>
+                </a:r>
+                <a:endParaRPr lang="en-SG" sz="1050" dirty="0">
+                  <a:solidFill>
+                    <a:srgbClr val="7030A0"/>
+                  </a:solidFill>
+                </a:endParaRPr>
+              </a:p>
+            </p:txBody>
+          </p:sp>
+          <p:sp>
+            <p:nvSpPr>
+              <p:cNvPr id="49" name="Rectangle 8"/>
+              <p:cNvSpPr/>
+              <p:nvPr/>
+            </p:nvSpPr>
+            <p:spPr>
+              <a:xfrm>
+                <a:off x="7066" y="4484"/>
+                <a:ext cx="1821" cy="546"/>
+              </a:xfrm>
+              <a:prstGeom prst="rect">
+                <a:avLst/>
+              </a:prstGeom>
+              <a:ln w="19050">
+                <a:solidFill>
+                  <a:srgbClr val="7030A0"/>
+                </a:solidFill>
+              </a:ln>
+              <a:effectLst/>
+            </p:spPr>
+            <p:style>
+              <a:lnRef idx="1">
+                <a:schemeClr val="accent4"/>
+              </a:lnRef>
+              <a:fillRef idx="2">
+                <a:schemeClr val="accent4"/>
+              </a:fillRef>
+              <a:effectRef idx="1">
+                <a:schemeClr val="accent4"/>
+              </a:effectRef>
+              <a:fontRef idx="minor">
+                <a:schemeClr val="dk1"/>
+              </a:fontRef>
+            </p:style>
+            <p:txBody>
+              <a:bodyPr rtlCol="0" anchor="ctr"/>
+              <a:p>
+                <a:pPr algn="ctr"/>
+                <a:r>
+                  <a:rPr lang="en-US" sz="1050" dirty="0" err="1" smtClean="0">
+                    <a:solidFill>
+                      <a:srgbClr val="7030A0"/>
+                    </a:solidFill>
+                  </a:rPr>
+                  <a:t>UniqueAppointmentList</a:t>
+                </a:r>
+                <a:endParaRPr lang="en-SG" sz="1050" dirty="0">
+                  <a:solidFill>
+                    <a:srgbClr val="7030A0"/>
+                  </a:solidFill>
+                </a:endParaRPr>
+              </a:p>
+            </p:txBody>
+          </p:sp>
+          <p:sp>
+            <p:nvSpPr>
+              <p:cNvPr id="51" name="Flowchart: Decision 96"/>
+              <p:cNvSpPr/>
+              <p:nvPr/>
+            </p:nvSpPr>
+            <p:spPr>
+              <a:xfrm>
+                <a:off x="6274" y="4211"/>
+                <a:ext cx="372" cy="273"/>
+              </a:xfrm>
+              <a:prstGeom prst="flowChartDecision">
+                <a:avLst/>
+              </a:prstGeom>
+              <a:solidFill>
+                <a:srgbClr val="7030A0"/>
+              </a:solidFill>
+              <a:ln w="19050">
+                <a:solidFill>
+                  <a:srgbClr val="7030A0"/>
+                </a:solidFill>
+              </a:ln>
+              <a:effectLst/>
+            </p:spPr>
+            <p:style>
+              <a:lnRef idx="1">
+                <a:schemeClr val="accent6"/>
+              </a:lnRef>
+              <a:fillRef idx="2">
+                <a:schemeClr val="accent6"/>
+              </a:fillRef>
+              <a:effectRef idx="1">
+                <a:schemeClr val="accent6"/>
+              </a:effectRef>
+              <a:fontRef idx="minor">
+                <a:schemeClr val="dk1"/>
+              </a:fontRef>
+            </p:style>
+            <p:txBody>
+              <a:bodyPr rtlCol="0" anchor="ctr"/>
+              <a:p>
+                <a:pPr algn="ctr"/>
+                <a:endParaRPr lang="en-US" sz="1050"/>
+              </a:p>
+            </p:txBody>
+          </p:sp>
+          <p:cxnSp>
+            <p:nvCxnSpPr>
+              <p:cNvPr id="30" name="Elbow Connector 29"/>
+              <p:cNvCxnSpPr>
+                <a:stCxn id="51" idx="3"/>
+                <a:endCxn id="49" idx="1"/>
+              </p:cNvCxnSpPr>
+              <p:nvPr/>
+            </p:nvCxnSpPr>
+            <p:spPr>
+              <a:xfrm>
+                <a:off x="6646" y="4348"/>
+                <a:ext cx="420" cy="409"/>
+              </a:xfrm>
+              <a:prstGeom prst="bentConnector3">
+                <a:avLst>
+                  <a:gd name="adj1" fmla="val 50000"/>
+                </a:avLst>
+              </a:prstGeom>
+              <a:ln w="19050">
+                <a:solidFill>
+                  <a:srgbClr val="7030A0"/>
+                </a:solidFill>
+                <a:headEnd type="none" w="med" len="med"/>
+                <a:tailEnd type="arrow" w="med" len="med"/>
+              </a:ln>
+              <a:effectLst/>
+            </p:spPr>
+            <p:style>
+              <a:lnRef idx="1">
+                <a:schemeClr val="accent2"/>
+              </a:lnRef>
+              <a:fillRef idx="2">
+                <a:schemeClr val="accent2"/>
+              </a:fillRef>
+              <a:effectRef idx="1">
+                <a:schemeClr val="accent2"/>
+              </a:effectRef>
+              <a:fontRef idx="minor">
+                <a:schemeClr val="dk1"/>
+              </a:fontRef>
+            </p:style>
+          </p:cxnSp>
+          <p:sp>
+            <p:nvSpPr>
+              <p:cNvPr id="4" name="Rectangle 8"/>
+              <p:cNvSpPr/>
+              <p:nvPr/>
+            </p:nvSpPr>
+            <p:spPr>
+              <a:xfrm>
+                <a:off x="9824" y="4464"/>
+                <a:ext cx="1329" cy="616"/>
+              </a:xfrm>
+              <a:prstGeom prst="rect">
+                <a:avLst/>
+              </a:prstGeom>
+              <a:ln w="19050">
+                <a:solidFill>
+                  <a:srgbClr val="7030A0"/>
+                </a:solidFill>
+              </a:ln>
+              <a:effectLst/>
+            </p:spPr>
+            <p:style>
+              <a:lnRef idx="1">
+                <a:schemeClr val="accent4"/>
+              </a:lnRef>
+              <a:fillRef idx="2">
+                <a:schemeClr val="accent4"/>
+              </a:fillRef>
+              <a:effectRef idx="1">
+                <a:schemeClr val="accent4"/>
+              </a:effectRef>
+              <a:fontRef idx="minor">
+                <a:schemeClr val="dk1"/>
+              </a:fontRef>
+            </p:style>
+            <p:txBody>
+              <a:bodyPr rtlCol="0" anchor="ctr"/>
+              <a:p>
+                <a:pPr algn="ctr"/>
+                <a:r>
+                  <a:rPr lang="en-US" sz="1050" dirty="0" smtClean="0">
+                    <a:solidFill>
+                      <a:srgbClr val="7030A0"/>
+                    </a:solidFill>
+                  </a:rPr>
+                  <a:t>Appointment</a:t>
+                </a:r>
+                <a:endParaRPr lang="en-US" sz="1050" dirty="0">
+                  <a:solidFill>
+                    <a:srgbClr val="7030A0"/>
+                  </a:solidFill>
+                </a:endParaRPr>
+              </a:p>
+            </p:txBody>
+          </p:sp>
+          <p:sp>
+            <p:nvSpPr>
+              <p:cNvPr id="63" name="Flowchart: Decision 96"/>
+              <p:cNvSpPr/>
+              <p:nvPr/>
+            </p:nvSpPr>
+            <p:spPr>
+              <a:xfrm>
+                <a:off x="8887" y="4636"/>
+                <a:ext cx="372" cy="273"/>
+              </a:xfrm>
+              <a:prstGeom prst="flowChartDecision">
+                <a:avLst/>
+              </a:prstGeom>
+              <a:noFill/>
+              <a:ln w="19050">
+                <a:solidFill>
+                  <a:srgbClr val="7030A0"/>
+                </a:solidFill>
+              </a:ln>
+              <a:effectLst/>
+            </p:spPr>
+            <p:style>
+              <a:lnRef idx="1">
+                <a:schemeClr val="accent6"/>
+              </a:lnRef>
+              <a:fillRef idx="2">
+                <a:schemeClr val="accent6"/>
+              </a:fillRef>
+              <a:effectRef idx="1">
+                <a:schemeClr val="accent6"/>
+              </a:effectRef>
+              <a:fontRef idx="minor">
+                <a:schemeClr val="dk1"/>
+              </a:fontRef>
+            </p:style>
+            <p:txBody>
+              <a:bodyPr rtlCol="0" anchor="ctr"/>
+              <a:p>
+                <a:pPr algn="ctr"/>
+                <a:endParaRPr lang="en-US" sz="1050"/>
+              </a:p>
+            </p:txBody>
+          </p:sp>
+          <p:cxnSp>
+            <p:nvCxnSpPr>
+              <p:cNvPr id="64" name="Elbow Connector 63"/>
+              <p:cNvCxnSpPr>
+                <a:stCxn id="63" idx="3"/>
+                <a:endCxn id="4" idx="1"/>
+              </p:cNvCxnSpPr>
+              <p:nvPr/>
+            </p:nvCxnSpPr>
+            <p:spPr>
+              <a:xfrm flipV="1">
+                <a:off x="9259" y="4772"/>
+                <a:ext cx="565" cy="1"/>
+              </a:xfrm>
+              <a:prstGeom prst="bentConnector3">
+                <a:avLst>
+                  <a:gd name="adj1" fmla="val 50000"/>
+                </a:avLst>
+              </a:prstGeom>
+              <a:ln w="19050">
+                <a:solidFill>
+                  <a:srgbClr val="7030A0"/>
+                </a:solidFill>
+                <a:headEnd type="none" w="med" len="med"/>
+                <a:tailEnd type="arrow" w="med" len="med"/>
+              </a:ln>
+              <a:effectLst/>
+            </p:spPr>
+            <p:style>
+              <a:lnRef idx="1">
+                <a:schemeClr val="accent2"/>
+              </a:lnRef>
+              <a:fillRef idx="2">
+                <a:schemeClr val="accent2"/>
+              </a:fillRef>
+              <a:effectRef idx="1">
+                <a:schemeClr val="accent2"/>
+              </a:effectRef>
+              <a:fontRef idx="minor">
+                <a:schemeClr val="dk1"/>
+              </a:fontRef>
+            </p:style>
+          </p:cxnSp>
+          <p:sp>
+            <p:nvSpPr>
+              <p:cNvPr id="5" name="Rectangle 8"/>
+              <p:cNvSpPr/>
+              <p:nvPr/>
+            </p:nvSpPr>
+            <p:spPr>
+              <a:xfrm>
+                <a:off x="12146" y="4038"/>
+                <a:ext cx="1115" cy="450"/>
+              </a:xfrm>
+              <a:prstGeom prst="rect">
+                <a:avLst/>
+              </a:prstGeom>
+              <a:ln w="19050">
+                <a:solidFill>
+                  <a:srgbClr val="7030A0"/>
+                </a:solidFill>
+              </a:ln>
+              <a:effectLst/>
+            </p:spPr>
+            <p:style>
+              <a:lnRef idx="1">
+                <a:schemeClr val="accent4"/>
+              </a:lnRef>
+              <a:fillRef idx="2">
+                <a:schemeClr val="accent4"/>
+              </a:fillRef>
+              <a:effectRef idx="1">
+                <a:schemeClr val="accent4"/>
+              </a:effectRef>
+              <a:fontRef idx="minor">
+                <a:schemeClr val="dk1"/>
+              </a:fontRef>
+            </p:style>
+            <p:txBody>
+              <a:bodyPr rtlCol="0" anchor="ctr"/>
+              <a:p>
+                <a:pPr algn="ctr"/>
+                <a:r>
+                  <a:rPr lang="en-US" altLang="en-SG" sz="1050" dirty="0">
+                    <a:solidFill>
+                      <a:srgbClr val="7030A0"/>
+                    </a:solidFill>
+                  </a:rPr>
+                  <a:t>Time</a:t>
+                </a:r>
+                <a:endParaRPr lang="en-US" altLang="en-SG" sz="1050" dirty="0">
+                  <a:solidFill>
+                    <a:srgbClr val="7030A0"/>
+                  </a:solidFill>
+                </a:endParaRPr>
+              </a:p>
+            </p:txBody>
+          </p:sp>
+          <p:sp>
+            <p:nvSpPr>
+              <p:cNvPr id="6" name="Flowchart: Decision 96"/>
+              <p:cNvSpPr/>
+              <p:nvPr/>
+            </p:nvSpPr>
+            <p:spPr>
+              <a:xfrm>
+                <a:off x="11153" y="4638"/>
+                <a:ext cx="372" cy="273"/>
+              </a:xfrm>
+              <a:prstGeom prst="flowChartDecision">
+                <a:avLst/>
+              </a:prstGeom>
+              <a:solidFill>
+                <a:srgbClr val="7030A0"/>
+              </a:solidFill>
+              <a:ln w="19050">
+                <a:solidFill>
+                  <a:srgbClr val="7030A0"/>
+                </a:solidFill>
+              </a:ln>
+              <a:effectLst/>
+            </p:spPr>
+            <p:style>
+              <a:lnRef idx="1">
+                <a:schemeClr val="accent6"/>
+              </a:lnRef>
+              <a:fillRef idx="2">
+                <a:schemeClr val="accent6"/>
+              </a:fillRef>
+              <a:effectRef idx="1">
+                <a:schemeClr val="accent6"/>
+              </a:effectRef>
+              <a:fontRef idx="minor">
+                <a:schemeClr val="dk1"/>
+              </a:fontRef>
+            </p:style>
+            <p:txBody>
+              <a:bodyPr rtlCol="0" anchor="ctr"/>
+              <a:p>
+                <a:pPr algn="ctr"/>
+                <a:endParaRPr lang="en-US" sz="1050"/>
+              </a:p>
+            </p:txBody>
+          </p:sp>
+          <p:cxnSp>
+            <p:nvCxnSpPr>
+              <p:cNvPr id="7" name="Elbow Connector 78"/>
+              <p:cNvCxnSpPr>
+                <a:stCxn id="6" idx="3"/>
+                <a:endCxn id="5" idx="1"/>
+              </p:cNvCxnSpPr>
+              <p:nvPr/>
+            </p:nvCxnSpPr>
+            <p:spPr>
+              <a:xfrm flipV="1">
+                <a:off x="11525" y="4263"/>
+                <a:ext cx="621" cy="511"/>
+              </a:xfrm>
+              <a:prstGeom prst="bentConnector3">
+                <a:avLst>
+                  <a:gd name="adj1" fmla="val 50000"/>
+                </a:avLst>
+              </a:prstGeom>
+              <a:ln w="19050">
+                <a:solidFill>
+                  <a:srgbClr val="7030A0"/>
+                </a:solidFill>
+                <a:headEnd type="none" w="med" len="med"/>
+                <a:tailEnd type="arrow" w="med" len="med"/>
+              </a:ln>
+              <a:effectLst/>
+            </p:spPr>
+            <p:style>
+              <a:lnRef idx="1">
+                <a:schemeClr val="accent2"/>
+              </a:lnRef>
+              <a:fillRef idx="2">
+                <a:schemeClr val="accent2"/>
+              </a:fillRef>
+              <a:effectRef idx="1">
+                <a:schemeClr val="accent2"/>
+              </a:effectRef>
+              <a:fontRef idx="minor">
+                <a:schemeClr val="dk1"/>
+              </a:fontRef>
+            </p:style>
+          </p:cxnSp>
+          <p:sp>
+            <p:nvSpPr>
+              <p:cNvPr id="80" name="Rectangle 8"/>
+              <p:cNvSpPr/>
+              <p:nvPr/>
+            </p:nvSpPr>
+            <p:spPr>
+              <a:xfrm>
+                <a:off x="12146" y="4547"/>
+                <a:ext cx="1115" cy="450"/>
+              </a:xfrm>
+              <a:prstGeom prst="rect">
+                <a:avLst/>
+              </a:prstGeom>
+              <a:ln w="19050">
+                <a:solidFill>
+                  <a:srgbClr val="7030A0"/>
+                </a:solidFill>
+              </a:ln>
+              <a:effectLst/>
+            </p:spPr>
+            <p:style>
+              <a:lnRef idx="1">
+                <a:schemeClr val="accent4"/>
+              </a:lnRef>
+              <a:fillRef idx="2">
+                <a:schemeClr val="accent4"/>
+              </a:fillRef>
+              <a:effectRef idx="1">
+                <a:schemeClr val="accent4"/>
+              </a:effectRef>
+              <a:fontRef idx="minor">
+                <a:schemeClr val="dk1"/>
+              </a:fontRef>
+            </p:style>
+            <p:txBody>
+              <a:bodyPr rtlCol="0" anchor="ctr"/>
+              <a:p>
+                <a:pPr algn="ctr"/>
+                <a:r>
+                  <a:rPr lang="en-US" altLang="en-SG" sz="1050" dirty="0">
+                    <a:solidFill>
+                      <a:srgbClr val="7030A0"/>
+                    </a:solidFill>
+                  </a:rPr>
+                  <a:t>Date</a:t>
+                </a:r>
+                <a:endParaRPr lang="en-US" altLang="en-SG" sz="1050" dirty="0">
+                  <a:solidFill>
+                    <a:srgbClr val="7030A0"/>
+                  </a:solidFill>
+                </a:endParaRPr>
+              </a:p>
+            </p:txBody>
+          </p:sp>
+          <p:cxnSp>
+            <p:nvCxnSpPr>
+              <p:cNvPr id="81" name="Elbow Connector 80"/>
+              <p:cNvCxnSpPr>
+                <a:stCxn id="6" idx="3"/>
+                <a:endCxn id="80" idx="1"/>
+              </p:cNvCxnSpPr>
+              <p:nvPr/>
+            </p:nvCxnSpPr>
+            <p:spPr>
+              <a:xfrm flipV="1">
+                <a:off x="11525" y="4772"/>
+                <a:ext cx="621" cy="3"/>
+              </a:xfrm>
+              <a:prstGeom prst="bentConnector3">
+                <a:avLst>
+                  <a:gd name="adj1" fmla="val 50000"/>
+                </a:avLst>
+              </a:prstGeom>
+              <a:ln w="19050">
+                <a:solidFill>
+                  <a:srgbClr val="7030A0"/>
+                </a:solidFill>
+                <a:headEnd type="none" w="med" len="med"/>
+                <a:tailEnd type="arrow" w="med" len="med"/>
+              </a:ln>
+              <a:effectLst/>
+            </p:spPr>
+            <p:style>
+              <a:lnRef idx="1">
+                <a:schemeClr val="accent2"/>
+              </a:lnRef>
+              <a:fillRef idx="2">
+                <a:schemeClr val="accent2"/>
+              </a:fillRef>
+              <a:effectRef idx="1">
+                <a:schemeClr val="accent2"/>
+              </a:effectRef>
+              <a:fontRef idx="minor">
+                <a:schemeClr val="dk1"/>
+              </a:fontRef>
+            </p:style>
+          </p:cxnSp>
+          <p:sp>
+            <p:nvSpPr>
+              <p:cNvPr id="8" name="Rectangle 8"/>
+              <p:cNvSpPr/>
+              <p:nvPr/>
+            </p:nvSpPr>
+            <p:spPr>
+              <a:xfrm>
+                <a:off x="12146" y="5055"/>
+                <a:ext cx="1115" cy="450"/>
+              </a:xfrm>
+              <a:prstGeom prst="rect">
+                <a:avLst/>
+              </a:prstGeom>
+              <a:ln w="19050">
+                <a:solidFill>
+                  <a:srgbClr val="7030A0"/>
+                </a:solidFill>
+              </a:ln>
+              <a:effectLst/>
+            </p:spPr>
+            <p:style>
+              <a:lnRef idx="1">
+                <a:schemeClr val="accent4"/>
+              </a:lnRef>
+              <a:fillRef idx="2">
+                <a:schemeClr val="accent4"/>
+              </a:fillRef>
+              <a:effectRef idx="1">
+                <a:schemeClr val="accent4"/>
+              </a:effectRef>
+              <a:fontRef idx="minor">
+                <a:schemeClr val="dk1"/>
+              </a:fontRef>
+            </p:style>
+            <p:txBody>
+              <a:bodyPr rtlCol="0" anchor="ctr"/>
+              <a:p>
+                <a:pPr algn="ctr"/>
+                <a:r>
+                  <a:rPr lang="en-US" altLang="en-SG" sz="1050" dirty="0">
+                    <a:solidFill>
+                      <a:srgbClr val="7030A0"/>
+                    </a:solidFill>
+                  </a:rPr>
+                  <a:t>Duration</a:t>
+                </a:r>
+                <a:endParaRPr lang="en-US" altLang="en-SG" sz="1050" dirty="0">
+                  <a:solidFill>
+                    <a:srgbClr val="7030A0"/>
+                  </a:solidFill>
+                </a:endParaRPr>
+              </a:p>
+            </p:txBody>
+          </p:sp>
+          <p:cxnSp>
+            <p:nvCxnSpPr>
+              <p:cNvPr id="10" name="Elbow Connector 83"/>
+              <p:cNvCxnSpPr>
+                <a:stCxn id="6" idx="3"/>
+                <a:endCxn id="8" idx="1"/>
+              </p:cNvCxnSpPr>
+              <p:nvPr/>
+            </p:nvCxnSpPr>
+            <p:spPr>
+              <a:xfrm>
+                <a:off x="11525" y="4775"/>
+                <a:ext cx="621" cy="506"/>
+              </a:xfrm>
+              <a:prstGeom prst="bentConnector3">
+                <a:avLst>
+                  <a:gd name="adj1" fmla="val 50000"/>
+                </a:avLst>
+              </a:prstGeom>
+              <a:ln w="19050">
+                <a:solidFill>
+                  <a:srgbClr val="7030A0"/>
+                </a:solidFill>
+                <a:headEnd type="none" w="med" len="med"/>
+                <a:tailEnd type="arrow" w="med" len="med"/>
+              </a:ln>
+              <a:effectLst/>
+            </p:spPr>
+            <p:style>
+              <a:lnRef idx="1">
+                <a:schemeClr val="accent2"/>
+              </a:lnRef>
+              <a:fillRef idx="2">
+                <a:schemeClr val="accent2"/>
+              </a:fillRef>
+              <a:effectRef idx="1">
+                <a:schemeClr val="accent2"/>
+              </a:effectRef>
+              <a:fontRef idx="minor">
+                <a:schemeClr val="dk1"/>
+              </a:fontRef>
+            </p:style>
+          </p:cxnSp>
+          <p:cxnSp>
+            <p:nvCxnSpPr>
+              <p:cNvPr id="97" name="Elbow Connector 63"/>
+              <p:cNvCxnSpPr>
+                <a:stCxn id="99" idx="3"/>
+              </p:cNvCxnSpPr>
+              <p:nvPr/>
+            </p:nvCxnSpPr>
+            <p:spPr>
+              <a:xfrm rot="16200000" flipH="1">
+                <a:off x="5164" y="3914"/>
+                <a:ext cx="463" cy="0"/>
+              </a:xfrm>
+              <a:prstGeom prst="bentConnector3">
+                <a:avLst>
+                  <a:gd name="adj1" fmla="val 50000"/>
+                </a:avLst>
+              </a:prstGeom>
+              <a:ln w="19050">
+                <a:solidFill>
+                  <a:srgbClr val="7030A0"/>
+                </a:solidFill>
+                <a:prstDash val="sysDot"/>
+                <a:headEnd type="none" w="med" len="med"/>
+                <a:tailEnd type="none" w="med" len="med"/>
+              </a:ln>
+              <a:effectLst/>
+            </p:spPr>
+            <p:style>
+              <a:lnRef idx="1">
+                <a:schemeClr val="accent2"/>
+              </a:lnRef>
+              <a:fillRef idx="2">
+                <a:schemeClr val="accent2"/>
+              </a:fillRef>
+              <a:effectRef idx="1">
+                <a:schemeClr val="accent2"/>
+              </a:effectRef>
+              <a:fontRef idx="minor">
+                <a:schemeClr val="dk1"/>
+              </a:fontRef>
+            </p:style>
+          </p:cxnSp>
+          <p:sp>
+            <p:nvSpPr>
+              <p:cNvPr id="99" name="Isosceles Triangle 102"/>
+              <p:cNvSpPr/>
+              <p:nvPr/>
+            </p:nvSpPr>
+            <p:spPr>
+              <a:xfrm rot="10800000" flipV="1">
+                <a:off x="5183" y="3406"/>
+                <a:ext cx="426" cy="276"/>
+              </a:xfrm>
+              <a:prstGeom prst="triangle">
+                <a:avLst/>
+              </a:prstGeom>
+              <a:ln w="19050">
+                <a:solidFill>
+                  <a:srgbClr val="7030A0"/>
+                </a:solidFill>
+              </a:ln>
+              <a:effectLst/>
+            </p:spPr>
+            <p:style>
+              <a:lnRef idx="1">
+                <a:schemeClr val="accent4"/>
+              </a:lnRef>
+              <a:fillRef idx="2">
+                <a:schemeClr val="accent4"/>
+              </a:fillRef>
+              <a:effectRef idx="1">
+                <a:schemeClr val="accent4"/>
+              </a:effectRef>
+              <a:fontRef idx="minor">
+                <a:schemeClr val="dk1"/>
+              </a:fontRef>
+            </p:style>
+            <p:txBody>
+              <a:bodyPr rtlCol="0" anchor="ctr"/>
+              <a:p>
+                <a:pPr algn="ctr"/>
+                <a:endParaRPr lang="en-SG" sz="1050" b="1">
+                  <a:solidFill>
+                    <a:srgbClr val="92D050"/>
+                  </a:solidFill>
+                </a:endParaRPr>
+              </a:p>
+            </p:txBody>
+          </p:sp>
+          <p:sp>
+            <p:nvSpPr>
+              <p:cNvPr id="100" name="Rectangle 8"/>
+              <p:cNvSpPr/>
+              <p:nvPr/>
+            </p:nvSpPr>
+            <p:spPr>
+              <a:xfrm>
+                <a:off x="4189" y="2845"/>
+                <a:ext cx="2425" cy="546"/>
+              </a:xfrm>
+              <a:prstGeom prst="rect">
+                <a:avLst/>
+              </a:prstGeom>
+              <a:ln w="19050">
+                <a:solidFill>
+                  <a:srgbClr val="7030A0"/>
+                </a:solidFill>
+              </a:ln>
+              <a:effectLst/>
+            </p:spPr>
+            <p:style>
+              <a:lnRef idx="1">
+                <a:schemeClr val="accent4"/>
+              </a:lnRef>
+              <a:fillRef idx="2">
+                <a:schemeClr val="accent4"/>
+              </a:fillRef>
+              <a:effectRef idx="1">
+                <a:schemeClr val="accent4"/>
+              </a:effectRef>
+              <a:fontRef idx="minor">
+                <a:schemeClr val="dk1"/>
+              </a:fontRef>
+            </p:style>
+            <p:txBody>
+              <a:bodyPr rtlCol="0" anchor="ctr"/>
+              <a:p>
+                <a:pPr algn="ctr"/>
+                <a:r>
+                  <a:rPr lang="en-US" sz="1050" dirty="0" smtClean="0">
+                    <a:solidFill>
+                      <a:srgbClr val="7030A0"/>
+                    </a:solidFill>
+                  </a:rPr>
+                  <a:t>&lt;&lt;interface&gt;&gt;</a:t>
+                </a:r>
+                <a:br>
+                  <a:rPr lang="en-US" sz="1050" dirty="0" smtClean="0">
+                    <a:solidFill>
+                      <a:srgbClr val="7030A0"/>
+                    </a:solidFill>
+                  </a:rPr>
+                </a:br>
+                <a:r>
+                  <a:rPr lang="en-US" sz="1050" dirty="0" err="1" smtClean="0">
+                    <a:solidFill>
+                      <a:srgbClr val="7030A0"/>
+                    </a:solidFill>
+                  </a:rPr>
+                  <a:t>ReadOnlyAddressBook</a:t>
+                </a:r>
+                <a:endParaRPr lang="en-SG" sz="1050" dirty="0">
+                  <a:solidFill>
+                    <a:srgbClr val="7030A0"/>
+                  </a:solidFill>
+                </a:endParaRPr>
+              </a:p>
+            </p:txBody>
+          </p:sp>
+          <p:sp>
+            <p:nvSpPr>
+              <p:cNvPr id="14" name="TextBox 53"/>
+              <p:cNvSpPr txBox="1"/>
+              <p:nvPr/>
+            </p:nvSpPr>
+            <p:spPr>
+              <a:xfrm>
+                <a:off x="6811" y="4817"/>
+                <a:ext cx="298" cy="281"/>
+              </a:xfrm>
+              <a:prstGeom prst="rect">
+                <a:avLst/>
+              </a:prstGeom>
+              <a:noFill/>
+            </p:spPr>
+            <p:txBody>
+              <a:bodyPr wrap="square" lIns="0" tIns="0" rIns="0" bIns="0" rtlCol="0">
+                <a:noAutofit/>
+              </a:bodyPr>
+              <a:p>
+                <a:pPr algn="ctr"/>
+                <a:r>
+                  <a:rPr lang="en-US" sz="1100" dirty="0" smtClean="0">
+                    <a:solidFill>
+                      <a:srgbClr val="7030A0"/>
+                    </a:solidFill>
+                  </a:rPr>
+                  <a:t>1</a:t>
+                </a:r>
+                <a:endParaRPr lang="en-SG" sz="1100" dirty="0">
+                  <a:solidFill>
+                    <a:srgbClr val="7030A0"/>
+                  </a:solidFill>
+                </a:endParaRPr>
+              </a:p>
+            </p:txBody>
+          </p:sp>
+          <p:sp>
+            <p:nvSpPr>
+              <p:cNvPr id="61" name="TextBox 60"/>
+              <p:cNvSpPr txBox="1"/>
+              <p:nvPr/>
+            </p:nvSpPr>
+            <p:spPr>
+              <a:xfrm>
+                <a:off x="9662" y="4879"/>
+                <a:ext cx="298" cy="281"/>
+              </a:xfrm>
+              <a:prstGeom prst="rect">
+                <a:avLst/>
+              </a:prstGeom>
+              <a:noFill/>
+            </p:spPr>
+            <p:txBody>
+              <a:bodyPr wrap="square" lIns="0" tIns="0" rIns="0" bIns="0" rtlCol="0">
+                <a:noAutofit/>
+              </a:bodyPr>
+              <a:p>
+                <a:pPr algn="ctr"/>
+                <a:r>
+                  <a:rPr lang="en-US" sz="1100" dirty="0" smtClean="0">
+                    <a:solidFill>
+                      <a:srgbClr val="7030A0"/>
+                    </a:solidFill>
+                  </a:rPr>
+                  <a:t>*</a:t>
+                </a:r>
+                <a:endParaRPr lang="en-SG" sz="1100" dirty="0">
+                  <a:solidFill>
+                    <a:srgbClr val="7030A0"/>
+                  </a:solidFill>
+                </a:endParaRPr>
+              </a:p>
+            </p:txBody>
+          </p:sp>
+          <p:sp>
+            <p:nvSpPr>
+              <p:cNvPr id="15" name="TextBox 69"/>
+              <p:cNvSpPr txBox="1"/>
+              <p:nvPr/>
+            </p:nvSpPr>
+            <p:spPr>
+              <a:xfrm>
+                <a:off x="10500" y="5055"/>
+                <a:ext cx="298" cy="281"/>
+              </a:xfrm>
+              <a:prstGeom prst="rect">
+                <a:avLst/>
+              </a:prstGeom>
+              <a:noFill/>
+            </p:spPr>
+            <p:txBody>
+              <a:bodyPr wrap="square" lIns="0" tIns="0" rIns="0" bIns="0" rtlCol="0">
+                <a:noAutofit/>
+              </a:bodyPr>
+              <a:p>
+                <a:pPr algn="ctr"/>
+                <a:r>
+                  <a:rPr lang="en-US" sz="1100" dirty="0" smtClean="0">
+                    <a:solidFill>
+                      <a:srgbClr val="7030A0"/>
+                    </a:solidFill>
+                  </a:rPr>
+                  <a:t>1</a:t>
+                </a:r>
+                <a:endParaRPr lang="en-SG" sz="1100" dirty="0">
+                  <a:solidFill>
+                    <a:srgbClr val="7030A0"/>
+                  </a:solidFill>
+                </a:endParaRPr>
+              </a:p>
+            </p:txBody>
+          </p:sp>
+        </p:grpSp>
         <p:sp>
           <p:nvSpPr>
-            <p:cNvPr id="63" name="Flowchart: Decision 96"/>
+            <p:cNvPr id="3" name="Rectangle 8"/>
             <p:cNvSpPr/>
             <p:nvPr/>
           </p:nvSpPr>
           <p:spPr>
             <a:xfrm>
-              <a:off x="8887" y="4636"/>
-              <a:ext cx="372" cy="273"/>
-            </a:xfrm>
-            <a:prstGeom prst="flowChartDecision">
-              <a:avLst/>
-            </a:prstGeom>
-            <a:noFill/>
-            <a:ln w="19050">
-              <a:solidFill>
-                <a:srgbClr val="7030A0"/>
-              </a:solidFill>
-            </a:ln>
-            <a:effectLst/>
-          </p:spPr>
-          <p:style>
-            <a:lnRef idx="1">
-              <a:schemeClr val="accent6"/>
-            </a:lnRef>
-            <a:fillRef idx="2">
-              <a:schemeClr val="accent6"/>
-            </a:fillRef>
-            <a:effectRef idx="1">
-              <a:schemeClr val="accent6"/>
-            </a:effectRef>
-            <a:fontRef idx="minor">
-              <a:schemeClr val="dk1"/>
-            </a:fontRef>
-          </p:style>
-          <p:txBody>
-            <a:bodyPr rtlCol="0" anchor="ctr"/>
-            <a:p>
-              <a:pPr algn="ctr"/>
-              <a:endParaRPr lang="en-US" sz="1050"/>
-            </a:p>
-          </p:txBody>
-        </p:sp>
-        <p:cxnSp>
-          <p:nvCxnSpPr>
-            <p:cNvPr id="64" name="Elbow Connector 63"/>
-            <p:cNvCxnSpPr>
-              <a:stCxn id="63" idx="3"/>
-              <a:endCxn id="4" idx="1"/>
-            </p:cNvCxnSpPr>
-            <p:nvPr/>
-          </p:nvCxnSpPr>
-          <p:spPr>
-            <a:xfrm flipV="1">
-              <a:off x="9259" y="4772"/>
-              <a:ext cx="565" cy="1"/>
-            </a:xfrm>
-            <a:prstGeom prst="bentConnector3">
-              <a:avLst>
-                <a:gd name="adj1" fmla="val 50000"/>
-              </a:avLst>
-            </a:prstGeom>
-            <a:ln w="19050">
-              <a:solidFill>
-                <a:srgbClr val="7030A0"/>
-              </a:solidFill>
-              <a:headEnd type="none" w="med" len="med"/>
-              <a:tailEnd type="arrow" w="med" len="med"/>
-            </a:ln>
-            <a:effectLst/>
-          </p:spPr>
-          <p:style>
-            <a:lnRef idx="1">
-              <a:schemeClr val="accent2"/>
-            </a:lnRef>
-            <a:fillRef idx="2">
-              <a:schemeClr val="accent2"/>
-            </a:fillRef>
-            <a:effectRef idx="1">
-              <a:schemeClr val="accent2"/>
-            </a:effectRef>
-            <a:fontRef idx="minor">
-              <a:schemeClr val="dk1"/>
-            </a:fontRef>
-          </p:style>
-        </p:cxnSp>
-        <p:sp>
-          <p:nvSpPr>
-            <p:cNvPr id="5" name="Rectangle 8"/>
-            <p:cNvSpPr/>
-            <p:nvPr/>
-          </p:nvSpPr>
-          <p:spPr>
-            <a:xfrm>
-              <a:off x="12146" y="4038"/>
-              <a:ext cx="1115" cy="450"/>
+              <a:off x="10707" y="7394"/>
+              <a:ext cx="1275" cy="715"/>
             </a:xfrm>
             <a:prstGeom prst="rect">
               <a:avLst/>
@@ -3862,7 +4491,7 @@
                     <a:srgbClr val="7030A0"/>
                   </a:solidFill>
                 </a:rPr>
-                <a:t>Time</a:t>
+                <a:t>Description</a:t>
               </a:r>
               <a:endParaRPr lang="en-US" altLang="en-SG" sz="1050" dirty="0">
                 <a:solidFill>
@@ -3872,65 +4501,19 @@
             </a:p>
           </p:txBody>
         </p:sp>
-        <p:sp>
-          <p:nvSpPr>
-            <p:cNvPr id="6" name="Flowchart: Decision 96"/>
-            <p:cNvSpPr/>
-            <p:nvPr/>
-          </p:nvSpPr>
-          <p:spPr>
-            <a:xfrm>
-              <a:off x="11153" y="4638"/>
-              <a:ext cx="372" cy="273"/>
-            </a:xfrm>
-            <a:prstGeom prst="flowChartDecision">
-              <a:avLst/>
-            </a:prstGeom>
-            <a:solidFill>
-              <a:srgbClr val="7030A0"/>
-            </a:solidFill>
-            <a:ln w="19050">
-              <a:solidFill>
-                <a:srgbClr val="7030A0"/>
-              </a:solidFill>
-            </a:ln>
-            <a:effectLst/>
-          </p:spPr>
-          <p:style>
-            <a:lnRef idx="1">
-              <a:schemeClr val="accent6"/>
-            </a:lnRef>
-            <a:fillRef idx="2">
-              <a:schemeClr val="accent6"/>
-            </a:fillRef>
-            <a:effectRef idx="1">
-              <a:schemeClr val="accent6"/>
-            </a:effectRef>
-            <a:fontRef idx="minor">
-              <a:schemeClr val="dk1"/>
-            </a:fontRef>
-          </p:style>
-          <p:txBody>
-            <a:bodyPr rtlCol="0" anchor="ctr"/>
-            <a:p>
-              <a:pPr algn="ctr"/>
-              <a:endParaRPr lang="en-US" sz="1050"/>
-            </a:p>
-          </p:txBody>
-        </p:sp>
         <p:cxnSp>
           <p:nvCxnSpPr>
-            <p:cNvPr id="7" name="Elbow Connector 78"/>
+            <p:cNvPr id="9" name="Elbow Connector 83"/>
             <p:cNvCxnSpPr>
               <a:stCxn id="6" idx="3"/>
-              <a:endCxn id="5" idx="1"/>
+              <a:endCxn id="3" idx="1"/>
             </p:cNvCxnSpPr>
             <p:nvPr/>
           </p:nvCxnSpPr>
           <p:spPr>
-            <a:xfrm flipV="1">
-              <a:off x="11525" y="4263"/>
-              <a:ext cx="621" cy="511"/>
+            <a:xfrm>
+              <a:off x="9997" y="6033"/>
+              <a:ext cx="710" cy="1719"/>
             </a:xfrm>
             <a:prstGeom prst="bentConnector3">
               <a:avLst>
@@ -3961,476 +4544,6 @@
             </a:fontRef>
           </p:style>
         </p:cxnSp>
-        <p:sp>
-          <p:nvSpPr>
-            <p:cNvPr id="80" name="Rectangle 8"/>
-            <p:cNvSpPr/>
-            <p:nvPr/>
-          </p:nvSpPr>
-          <p:spPr>
-            <a:xfrm>
-              <a:off x="12146" y="4547"/>
-              <a:ext cx="1115" cy="450"/>
-            </a:xfrm>
-            <a:prstGeom prst="rect">
-              <a:avLst/>
-            </a:prstGeom>
-            <a:ln w="19050">
-              <a:solidFill>
-                <a:srgbClr val="7030A0"/>
-              </a:solidFill>
-            </a:ln>
-            <a:effectLst/>
-          </p:spPr>
-          <p:style>
-            <a:lnRef idx="1">
-              <a:schemeClr val="accent4"/>
-            </a:lnRef>
-            <a:fillRef idx="2">
-              <a:schemeClr val="accent4"/>
-            </a:fillRef>
-            <a:effectRef idx="1">
-              <a:schemeClr val="accent4"/>
-            </a:effectRef>
-            <a:fontRef idx="minor">
-              <a:schemeClr val="dk1"/>
-            </a:fontRef>
-          </p:style>
-          <p:txBody>
-            <a:bodyPr rtlCol="0" anchor="ctr"/>
-            <a:p>
-              <a:pPr algn="ctr"/>
-              <a:r>
-                <a:rPr lang="en-US" altLang="en-SG" sz="1050" dirty="0">
-                  <a:solidFill>
-                    <a:srgbClr val="7030A0"/>
-                  </a:solidFill>
-                </a:rPr>
-                <a:t>Date</a:t>
-              </a:r>
-              <a:endParaRPr lang="en-US" altLang="en-SG" sz="1050" dirty="0">
-                <a:solidFill>
-                  <a:srgbClr val="7030A0"/>
-                </a:solidFill>
-              </a:endParaRPr>
-            </a:p>
-          </p:txBody>
-        </p:sp>
-        <p:cxnSp>
-          <p:nvCxnSpPr>
-            <p:cNvPr id="81" name="Elbow Connector 80"/>
-            <p:cNvCxnSpPr>
-              <a:stCxn id="6" idx="3"/>
-              <a:endCxn id="80" idx="1"/>
-            </p:cNvCxnSpPr>
-            <p:nvPr/>
-          </p:nvCxnSpPr>
-          <p:spPr>
-            <a:xfrm flipV="1">
-              <a:off x="11525" y="4772"/>
-              <a:ext cx="621" cy="3"/>
-            </a:xfrm>
-            <a:prstGeom prst="bentConnector3">
-              <a:avLst>
-                <a:gd name="adj1" fmla="val 50000"/>
-              </a:avLst>
-            </a:prstGeom>
-            <a:ln w="19050">
-              <a:solidFill>
-                <a:srgbClr val="7030A0"/>
-              </a:solidFill>
-              <a:headEnd type="none" w="med" len="med"/>
-              <a:tailEnd type="arrow" w="med" len="med"/>
-            </a:ln>
-            <a:effectLst/>
-          </p:spPr>
-          <p:style>
-            <a:lnRef idx="1">
-              <a:schemeClr val="accent2"/>
-            </a:lnRef>
-            <a:fillRef idx="2">
-              <a:schemeClr val="accent2"/>
-            </a:fillRef>
-            <a:effectRef idx="1">
-              <a:schemeClr val="accent2"/>
-            </a:effectRef>
-            <a:fontRef idx="minor">
-              <a:schemeClr val="dk1"/>
-            </a:fontRef>
-          </p:style>
-        </p:cxnSp>
-        <p:sp>
-          <p:nvSpPr>
-            <p:cNvPr id="8" name="Rectangle 8"/>
-            <p:cNvSpPr/>
-            <p:nvPr/>
-          </p:nvSpPr>
-          <p:spPr>
-            <a:xfrm>
-              <a:off x="12146" y="5055"/>
-              <a:ext cx="1115" cy="450"/>
-            </a:xfrm>
-            <a:prstGeom prst="rect">
-              <a:avLst/>
-            </a:prstGeom>
-            <a:ln w="19050">
-              <a:solidFill>
-                <a:srgbClr val="7030A0"/>
-              </a:solidFill>
-            </a:ln>
-            <a:effectLst/>
-          </p:spPr>
-          <p:style>
-            <a:lnRef idx="1">
-              <a:schemeClr val="accent4"/>
-            </a:lnRef>
-            <a:fillRef idx="2">
-              <a:schemeClr val="accent4"/>
-            </a:fillRef>
-            <a:effectRef idx="1">
-              <a:schemeClr val="accent4"/>
-            </a:effectRef>
-            <a:fontRef idx="minor">
-              <a:schemeClr val="dk1"/>
-            </a:fontRef>
-          </p:style>
-          <p:txBody>
-            <a:bodyPr rtlCol="0" anchor="ctr"/>
-            <a:p>
-              <a:pPr algn="ctr"/>
-              <a:r>
-                <a:rPr lang="en-US" altLang="en-SG" sz="1050" dirty="0">
-                  <a:solidFill>
-                    <a:srgbClr val="7030A0"/>
-                  </a:solidFill>
-                </a:rPr>
-                <a:t>Duration</a:t>
-              </a:r>
-              <a:endParaRPr lang="en-US" altLang="en-SG" sz="1050" dirty="0">
-                <a:solidFill>
-                  <a:srgbClr val="7030A0"/>
-                </a:solidFill>
-              </a:endParaRPr>
-            </a:p>
-          </p:txBody>
-        </p:sp>
-        <p:cxnSp>
-          <p:nvCxnSpPr>
-            <p:cNvPr id="10" name="Elbow Connector 83"/>
-            <p:cNvCxnSpPr>
-              <a:stCxn id="6" idx="3"/>
-              <a:endCxn id="8" idx="1"/>
-            </p:cNvCxnSpPr>
-            <p:nvPr/>
-          </p:nvCxnSpPr>
-          <p:spPr>
-            <a:xfrm>
-              <a:off x="11525" y="4775"/>
-              <a:ext cx="621" cy="506"/>
-            </a:xfrm>
-            <a:prstGeom prst="bentConnector3">
-              <a:avLst>
-                <a:gd name="adj1" fmla="val 50000"/>
-              </a:avLst>
-            </a:prstGeom>
-            <a:ln w="19050">
-              <a:solidFill>
-                <a:srgbClr val="7030A0"/>
-              </a:solidFill>
-              <a:headEnd type="none" w="med" len="med"/>
-              <a:tailEnd type="arrow" w="med" len="med"/>
-            </a:ln>
-            <a:effectLst/>
-          </p:spPr>
-          <p:style>
-            <a:lnRef idx="1">
-              <a:schemeClr val="accent2"/>
-            </a:lnRef>
-            <a:fillRef idx="2">
-              <a:schemeClr val="accent2"/>
-            </a:fillRef>
-            <a:effectRef idx="1">
-              <a:schemeClr val="accent2"/>
-            </a:effectRef>
-            <a:fontRef idx="minor">
-              <a:schemeClr val="dk1"/>
-            </a:fontRef>
-          </p:style>
-        </p:cxnSp>
-        <p:cxnSp>
-          <p:nvCxnSpPr>
-            <p:cNvPr id="97" name="Elbow Connector 63"/>
-            <p:cNvCxnSpPr>
-              <a:stCxn id="99" idx="3"/>
-            </p:cNvCxnSpPr>
-            <p:nvPr/>
-          </p:nvCxnSpPr>
-          <p:spPr>
-            <a:xfrm rot="16200000" flipH="1">
-              <a:off x="5164" y="3914"/>
-              <a:ext cx="463" cy="0"/>
-            </a:xfrm>
-            <a:prstGeom prst="bentConnector3">
-              <a:avLst>
-                <a:gd name="adj1" fmla="val 50000"/>
-              </a:avLst>
-            </a:prstGeom>
-            <a:ln w="19050">
-              <a:solidFill>
-                <a:srgbClr val="7030A0"/>
-              </a:solidFill>
-              <a:prstDash val="sysDot"/>
-              <a:headEnd type="none" w="med" len="med"/>
-              <a:tailEnd type="none" w="med" len="med"/>
-            </a:ln>
-            <a:effectLst/>
-          </p:spPr>
-          <p:style>
-            <a:lnRef idx="1">
-              <a:schemeClr val="accent2"/>
-            </a:lnRef>
-            <a:fillRef idx="2">
-              <a:schemeClr val="accent2"/>
-            </a:fillRef>
-            <a:effectRef idx="1">
-              <a:schemeClr val="accent2"/>
-            </a:effectRef>
-            <a:fontRef idx="minor">
-              <a:schemeClr val="dk1"/>
-            </a:fontRef>
-          </p:style>
-        </p:cxnSp>
-        <p:sp>
-          <p:nvSpPr>
-            <p:cNvPr id="99" name="Isosceles Triangle 102"/>
-            <p:cNvSpPr/>
-            <p:nvPr/>
-          </p:nvSpPr>
-          <p:spPr>
-            <a:xfrm rot="10800000" flipV="1">
-              <a:off x="5183" y="3406"/>
-              <a:ext cx="426" cy="276"/>
-            </a:xfrm>
-            <a:prstGeom prst="triangle">
-              <a:avLst/>
-            </a:prstGeom>
-            <a:ln w="19050">
-              <a:solidFill>
-                <a:srgbClr val="7030A0"/>
-              </a:solidFill>
-            </a:ln>
-            <a:effectLst/>
-          </p:spPr>
-          <p:style>
-            <a:lnRef idx="1">
-              <a:schemeClr val="accent4"/>
-            </a:lnRef>
-            <a:fillRef idx="2">
-              <a:schemeClr val="accent4"/>
-            </a:fillRef>
-            <a:effectRef idx="1">
-              <a:schemeClr val="accent4"/>
-            </a:effectRef>
-            <a:fontRef idx="minor">
-              <a:schemeClr val="dk1"/>
-            </a:fontRef>
-          </p:style>
-          <p:txBody>
-            <a:bodyPr rtlCol="0" anchor="ctr"/>
-            <a:p>
-              <a:pPr algn="ctr"/>
-              <a:endParaRPr lang="en-SG" sz="1050" b="1">
-                <a:solidFill>
-                  <a:srgbClr val="92D050"/>
-                </a:solidFill>
-              </a:endParaRPr>
-            </a:p>
-          </p:txBody>
-        </p:sp>
-        <p:sp>
-          <p:nvSpPr>
-            <p:cNvPr id="100" name="Rectangle 8"/>
-            <p:cNvSpPr/>
-            <p:nvPr/>
-          </p:nvSpPr>
-          <p:spPr>
-            <a:xfrm>
-              <a:off x="4189" y="2845"/>
-              <a:ext cx="2425" cy="546"/>
-            </a:xfrm>
-            <a:prstGeom prst="rect">
-              <a:avLst/>
-            </a:prstGeom>
-            <a:ln w="19050">
-              <a:solidFill>
-                <a:srgbClr val="7030A0"/>
-              </a:solidFill>
-            </a:ln>
-            <a:effectLst/>
-          </p:spPr>
-          <p:style>
-            <a:lnRef idx="1">
-              <a:schemeClr val="accent4"/>
-            </a:lnRef>
-            <a:fillRef idx="2">
-              <a:schemeClr val="accent4"/>
-            </a:fillRef>
-            <a:effectRef idx="1">
-              <a:schemeClr val="accent4"/>
-            </a:effectRef>
-            <a:fontRef idx="minor">
-              <a:schemeClr val="dk1"/>
-            </a:fontRef>
-          </p:style>
-          <p:txBody>
-            <a:bodyPr rtlCol="0" anchor="ctr"/>
-            <a:p>
-              <a:pPr algn="ctr"/>
-              <a:r>
-                <a:rPr lang="en-US" sz="1050" dirty="0" smtClean="0">
-                  <a:solidFill>
-                    <a:srgbClr val="7030A0"/>
-                  </a:solidFill>
-                </a:rPr>
-                <a:t>&lt;&lt;interface&gt;&gt;</a:t>
-              </a:r>
-              <a:br>
-                <a:rPr lang="en-US" sz="1050" dirty="0" smtClean="0">
-                  <a:solidFill>
-                    <a:srgbClr val="7030A0"/>
-                  </a:solidFill>
-                </a:rPr>
-              </a:br>
-              <a:r>
-                <a:rPr lang="en-US" sz="1050" dirty="0" err="1" smtClean="0">
-                  <a:solidFill>
-                    <a:srgbClr val="7030A0"/>
-                  </a:solidFill>
-                </a:rPr>
-                <a:t>ReadOnlyAddressBook</a:t>
-              </a:r>
-              <a:endParaRPr lang="en-SG" sz="1050" dirty="0">
-                <a:solidFill>
-                  <a:srgbClr val="7030A0"/>
-                </a:solidFill>
-              </a:endParaRPr>
-            </a:p>
-          </p:txBody>
-        </p:sp>
-        <p:sp>
-          <p:nvSpPr>
-            <p:cNvPr id="14" name="TextBox 53"/>
-            <p:cNvSpPr txBox="1"/>
-            <p:nvPr/>
-          </p:nvSpPr>
-          <p:spPr>
-            <a:xfrm>
-              <a:off x="6811" y="4817"/>
-              <a:ext cx="298" cy="281"/>
-            </a:xfrm>
-            <a:prstGeom prst="rect">
-              <a:avLst/>
-            </a:prstGeom>
-            <a:noFill/>
-          </p:spPr>
-          <p:txBody>
-            <a:bodyPr wrap="square" lIns="0" tIns="0" rIns="0" bIns="0" rtlCol="0">
-              <a:noAutofit/>
-            </a:bodyPr>
-            <a:p>
-              <a:pPr algn="ctr"/>
-              <a:r>
-                <a:rPr lang="en-US" sz="1100" dirty="0" smtClean="0">
-                  <a:solidFill>
-                    <a:srgbClr val="7030A0"/>
-                  </a:solidFill>
-                </a:rPr>
-                <a:t>1</a:t>
-              </a:r>
-              <a:endParaRPr lang="en-SG" sz="1100" dirty="0">
-                <a:solidFill>
-                  <a:srgbClr val="7030A0"/>
-                </a:solidFill>
-              </a:endParaRPr>
-            </a:p>
-          </p:txBody>
-        </p:sp>
-        <p:sp>
-          <p:nvSpPr>
-            <p:cNvPr id="61" name="TextBox 60"/>
-            <p:cNvSpPr txBox="1"/>
-            <p:nvPr/>
-          </p:nvSpPr>
-          <p:spPr>
-            <a:xfrm>
-              <a:off x="9662" y="4879"/>
-              <a:ext cx="298" cy="281"/>
-            </a:xfrm>
-            <a:prstGeom prst="rect">
-              <a:avLst/>
-            </a:prstGeom>
-            <a:noFill/>
-          </p:spPr>
-          <p:txBody>
-            <a:bodyPr wrap="square" lIns="0" tIns="0" rIns="0" bIns="0" rtlCol="0">
-              <a:noAutofit/>
-            </a:bodyPr>
-            <a:p>
-              <a:pPr algn="ctr"/>
-              <a:r>
-                <a:rPr lang="en-US" sz="1100" dirty="0" smtClean="0">
-                  <a:solidFill>
-                    <a:srgbClr val="7030A0"/>
-                  </a:solidFill>
-                </a:rPr>
-                <a:t>*</a:t>
-              </a:r>
-              <a:endParaRPr lang="en-SG" sz="1100" dirty="0">
-                <a:solidFill>
-                  <a:srgbClr val="7030A0"/>
-                </a:solidFill>
-              </a:endParaRPr>
-            </a:p>
-          </p:txBody>
-        </p:sp>
-        <p:sp>
-          <p:nvSpPr>
-            <p:cNvPr id="15" name="TextBox 69"/>
-            <p:cNvSpPr txBox="1"/>
-            <p:nvPr/>
-          </p:nvSpPr>
-          <p:spPr>
-            <a:xfrm>
-              <a:off x="10500" y="5055"/>
-              <a:ext cx="298" cy="281"/>
-            </a:xfrm>
-            <a:prstGeom prst="rect">
-              <a:avLst/>
-            </a:prstGeom>
-            <a:noFill/>
-          </p:spPr>
-          <p:txBody>
-            <a:bodyPr wrap="square" lIns="0" tIns="0" rIns="0" bIns="0" rtlCol="0">
-              <a:noAutofit/>
-            </a:bodyPr>
-            <a:p>
-              <a:pPr algn="ctr"/>
-              <a:r>
-                <a:rPr lang="en-US" sz="1100" dirty="0" smtClean="0">
-                  <a:solidFill>
-                    <a:srgbClr val="7030A0"/>
-                  </a:solidFill>
-                </a:rPr>
-                <a:t>1</a:t>
-              </a:r>
-              <a:endParaRPr lang="en-SG" sz="1100" dirty="0">
-                <a:solidFill>
-                  <a:srgbClr val="7030A0"/>
-                </a:solidFill>
-              </a:endParaRPr>
-            </a:p>
-          </p:txBody>
-        </p:sp>
       </p:grpSp>
     </p:spTree>
   </p:cSld>
